--- a/slides/04-DecidableLangugaes.pptx
+++ b/slides/04-DecidableLangugaes.pptx
@@ -5,7 +5,7 @@
     <p:sldMasterId id="2147484006" r:id="rId1"/>
   </p:sldMasterIdLst>
   <p:notesMasterIdLst>
-    <p:notesMasterId r:id="rId17"/>
+    <p:notesMasterId r:id="rId24"/>
   </p:notesMasterIdLst>
   <p:sldIdLst>
     <p:sldId id="256" r:id="rId2"/>
@@ -23,6 +23,13 @@
     <p:sldId id="463" r:id="rId14"/>
     <p:sldId id="470" r:id="rId15"/>
     <p:sldId id="471" r:id="rId16"/>
+    <p:sldId id="472" r:id="rId17"/>
+    <p:sldId id="473" r:id="rId18"/>
+    <p:sldId id="474" r:id="rId19"/>
+    <p:sldId id="475" r:id="rId20"/>
+    <p:sldId id="476" r:id="rId21"/>
+    <p:sldId id="477" r:id="rId22"/>
+    <p:sldId id="478" r:id="rId23"/>
   </p:sldIdLst>
   <p:sldSz cx="12192000" cy="6858000"/>
   <p:notesSz cx="6858000" cy="9144000"/>
@@ -619,7 +626,7 @@
           <a:noFill/>
           <a:extLst>
             <a:ext uri="{909E8E84-426E-40dd-AFC4-6F175D3DCCD1}">
-              <a14:hiddenFill xmlns:a14="http://schemas.microsoft.com/office/drawing/2010/main" xmlns="">
+              <a14:hiddenFill xmlns="" xmlns:a14="http://schemas.microsoft.com/office/drawing/2010/main">
                 <a:solidFill>
                   <a:srgbClr val="FFFFFF"/>
                 </a:solidFill>
@@ -678,7 +685,7 @@
             </a:ln>
             <a:extLst>
               <a:ext uri="{91240B29-F687-4f45-9708-019B960494DF}">
-                <a14:hiddenLine xmlns:a14="http://schemas.microsoft.com/office/drawing/2010/main" xmlns="" w="9525">
+                <a14:hiddenLine xmlns="" xmlns:a14="http://schemas.microsoft.com/office/drawing/2010/main" w="9525">
                   <a:solidFill>
                     <a:srgbClr val="000000"/>
                   </a:solidFill>
@@ -768,7 +775,7 @@
             </a:ln>
             <a:extLst>
               <a:ext uri="{91240B29-F687-4f45-9708-019B960494DF}">
-                <a14:hiddenLine xmlns:a14="http://schemas.microsoft.com/office/drawing/2010/main" xmlns="" w="9525">
+                <a14:hiddenLine xmlns="" xmlns:a14="http://schemas.microsoft.com/office/drawing/2010/main" w="9525">
                   <a:solidFill>
                     <a:srgbClr val="000000"/>
                   </a:solidFill>
@@ -858,7 +865,7 @@
             </a:ln>
             <a:extLst>
               <a:ext uri="{91240B29-F687-4f45-9708-019B960494DF}">
-                <a14:hiddenLine xmlns:a14="http://schemas.microsoft.com/office/drawing/2010/main" xmlns="" w="9525">
+                <a14:hiddenLine xmlns="" xmlns:a14="http://schemas.microsoft.com/office/drawing/2010/main" w="9525">
                   <a:solidFill>
                     <a:srgbClr val="000000"/>
                   </a:solidFill>
@@ -892,7 +899,7 @@
             </a:ln>
             <a:extLst>
               <a:ext uri="{91240B29-F687-4f45-9708-019B960494DF}">
-                <a14:hiddenLine xmlns:a14="http://schemas.microsoft.com/office/drawing/2010/main" xmlns="" w="9525">
+                <a14:hiddenLine xmlns="" xmlns:a14="http://schemas.microsoft.com/office/drawing/2010/main" w="9525">
                   <a:solidFill>
                     <a:srgbClr val="000000"/>
                   </a:solidFill>
@@ -982,7 +989,7 @@
             </a:ln>
             <a:extLst>
               <a:ext uri="{91240B29-F687-4f45-9708-019B960494DF}">
-                <a14:hiddenLine xmlns:a14="http://schemas.microsoft.com/office/drawing/2010/main" xmlns="" w="9525">
+                <a14:hiddenLine xmlns="" xmlns:a14="http://schemas.microsoft.com/office/drawing/2010/main" w="9525">
                   <a:solidFill>
                     <a:srgbClr val="000000"/>
                   </a:solidFill>
@@ -1044,7 +1051,7 @@
             </a:ln>
             <a:extLst>
               <a:ext uri="{91240B29-F687-4f45-9708-019B960494DF}">
-                <a14:hiddenLine xmlns:a14="http://schemas.microsoft.com/office/drawing/2010/main" xmlns="" w="9525">
+                <a14:hiddenLine xmlns="" xmlns:a14="http://schemas.microsoft.com/office/drawing/2010/main" w="9525">
                   <a:solidFill>
                     <a:srgbClr val="000000"/>
                   </a:solidFill>
@@ -1106,7 +1113,7 @@
             </a:ln>
             <a:extLst>
               <a:ext uri="{91240B29-F687-4f45-9708-019B960494DF}">
-                <a14:hiddenLine xmlns:a14="http://schemas.microsoft.com/office/drawing/2010/main" xmlns="" w="9525">
+                <a14:hiddenLine xmlns="" xmlns:a14="http://schemas.microsoft.com/office/drawing/2010/main" w="9525">
                   <a:solidFill>
                     <a:srgbClr val="000000"/>
                   </a:solidFill>
@@ -1196,7 +1203,7 @@
             </a:ln>
             <a:extLst>
               <a:ext uri="{91240B29-F687-4f45-9708-019B960494DF}">
-                <a14:hiddenLine xmlns:a14="http://schemas.microsoft.com/office/drawing/2010/main" xmlns="" w="9525">
+                <a14:hiddenLine xmlns="" xmlns:a14="http://schemas.microsoft.com/office/drawing/2010/main" w="9525">
                   <a:solidFill>
                     <a:srgbClr val="000000"/>
                   </a:solidFill>
@@ -1258,7 +1265,7 @@
             </a:ln>
             <a:extLst>
               <a:ext uri="{91240B29-F687-4f45-9708-019B960494DF}">
-                <a14:hiddenLine xmlns:a14="http://schemas.microsoft.com/office/drawing/2010/main" xmlns="" w="9525">
+                <a14:hiddenLine xmlns="" xmlns:a14="http://schemas.microsoft.com/office/drawing/2010/main" w="9525">
                   <a:solidFill>
                     <a:srgbClr val="000000"/>
                   </a:solidFill>
@@ -1320,7 +1327,7 @@
             </a:ln>
             <a:extLst>
               <a:ext uri="{91240B29-F687-4f45-9708-019B960494DF}">
-                <a14:hiddenLine xmlns:a14="http://schemas.microsoft.com/office/drawing/2010/main" xmlns="" w="9525">
+                <a14:hiddenLine xmlns="" xmlns:a14="http://schemas.microsoft.com/office/drawing/2010/main" w="9525">
                   <a:solidFill>
                     <a:srgbClr val="000000"/>
                   </a:solidFill>
@@ -1410,7 +1417,7 @@
             </a:ln>
             <a:extLst>
               <a:ext uri="{91240B29-F687-4f45-9708-019B960494DF}">
-                <a14:hiddenLine xmlns:a14="http://schemas.microsoft.com/office/drawing/2010/main" xmlns="" w="9525">
+                <a14:hiddenLine xmlns="" xmlns:a14="http://schemas.microsoft.com/office/drawing/2010/main" w="9525">
                   <a:solidFill>
                     <a:srgbClr val="000000"/>
                   </a:solidFill>
@@ -1500,7 +1507,7 @@
             </a:ln>
             <a:extLst>
               <a:ext uri="{91240B29-F687-4f45-9708-019B960494DF}">
-                <a14:hiddenLine xmlns:a14="http://schemas.microsoft.com/office/drawing/2010/main" xmlns="" w="9525">
+                <a14:hiddenLine xmlns="" xmlns:a14="http://schemas.microsoft.com/office/drawing/2010/main" w="9525">
                   <a:solidFill>
                     <a:srgbClr val="000000"/>
                   </a:solidFill>
@@ -1562,7 +1569,7 @@
             </a:ln>
             <a:extLst>
               <a:ext uri="{91240B29-F687-4f45-9708-019B960494DF}">
-                <a14:hiddenLine xmlns:a14="http://schemas.microsoft.com/office/drawing/2010/main" xmlns="" w="9525">
+                <a14:hiddenLine xmlns="" xmlns:a14="http://schemas.microsoft.com/office/drawing/2010/main" w="9525">
                   <a:solidFill>
                     <a:srgbClr val="000000"/>
                   </a:solidFill>
@@ -1672,7 +1679,7 @@
             </a:ln>
             <a:extLst>
               <a:ext uri="{91240B29-F687-4f45-9708-019B960494DF}">
-                <a14:hiddenLine xmlns:a14="http://schemas.microsoft.com/office/drawing/2010/main" xmlns="" w="9525">
+                <a14:hiddenLine xmlns="" xmlns:a14="http://schemas.microsoft.com/office/drawing/2010/main" w="9525">
                   <a:solidFill>
                     <a:srgbClr val="000000"/>
                   </a:solidFill>
@@ -1734,7 +1741,7 @@
             </a:ln>
             <a:extLst>
               <a:ext uri="{91240B29-F687-4f45-9708-019B960494DF}">
-                <a14:hiddenLine xmlns:a14="http://schemas.microsoft.com/office/drawing/2010/main" xmlns="" w="9525">
+                <a14:hiddenLine xmlns="" xmlns:a14="http://schemas.microsoft.com/office/drawing/2010/main" w="9525">
                   <a:solidFill>
                     <a:srgbClr val="000000"/>
                   </a:solidFill>
@@ -1824,7 +1831,7 @@
             </a:ln>
             <a:extLst>
               <a:ext uri="{91240B29-F687-4f45-9708-019B960494DF}">
-                <a14:hiddenLine xmlns:a14="http://schemas.microsoft.com/office/drawing/2010/main" xmlns="" w="9525">
+                <a14:hiddenLine xmlns="" xmlns:a14="http://schemas.microsoft.com/office/drawing/2010/main" w="9525">
                   <a:solidFill>
                     <a:srgbClr val="000000"/>
                   </a:solidFill>
@@ -1914,7 +1921,7 @@
             </a:ln>
             <a:extLst>
               <a:ext uri="{91240B29-F687-4f45-9708-019B960494DF}">
-                <a14:hiddenLine xmlns:a14="http://schemas.microsoft.com/office/drawing/2010/main" xmlns="" w="9525">
+                <a14:hiddenLine xmlns="" xmlns:a14="http://schemas.microsoft.com/office/drawing/2010/main" w="9525">
                   <a:solidFill>
                     <a:srgbClr val="000000"/>
                   </a:solidFill>
@@ -1976,7 +1983,7 @@
             </a:ln>
             <a:extLst>
               <a:ext uri="{91240B29-F687-4f45-9708-019B960494DF}">
-                <a14:hiddenLine xmlns:a14="http://schemas.microsoft.com/office/drawing/2010/main" xmlns="" w="9525">
+                <a14:hiddenLine xmlns="" xmlns:a14="http://schemas.microsoft.com/office/drawing/2010/main" w="9525">
                   <a:solidFill>
                     <a:srgbClr val="000000"/>
                   </a:solidFill>
@@ -2066,7 +2073,7 @@
             </a:ln>
             <a:extLst>
               <a:ext uri="{91240B29-F687-4f45-9708-019B960494DF}">
-                <a14:hiddenLine xmlns:a14="http://schemas.microsoft.com/office/drawing/2010/main" xmlns="" w="9525">
+                <a14:hiddenLine xmlns="" xmlns:a14="http://schemas.microsoft.com/office/drawing/2010/main" w="9525">
                   <a:solidFill>
                     <a:srgbClr val="000000"/>
                   </a:solidFill>
@@ -2156,7 +2163,7 @@
             </a:ln>
             <a:extLst>
               <a:ext uri="{91240B29-F687-4f45-9708-019B960494DF}">
-                <a14:hiddenLine xmlns:a14="http://schemas.microsoft.com/office/drawing/2010/main" xmlns="" w="9525">
+                <a14:hiddenLine xmlns="" xmlns:a14="http://schemas.microsoft.com/office/drawing/2010/main" w="9525">
                   <a:solidFill>
                     <a:srgbClr val="000000"/>
                   </a:solidFill>
@@ -2212,7 +2219,7 @@
             </a:ln>
             <a:extLst>
               <a:ext uri="{91240B29-F687-4f45-9708-019B960494DF}">
-                <a14:hiddenLine xmlns:a14="http://schemas.microsoft.com/office/drawing/2010/main" xmlns="" w="9525">
+                <a14:hiddenLine xmlns="" xmlns:a14="http://schemas.microsoft.com/office/drawing/2010/main" w="9525">
                   <a:solidFill>
                     <a:srgbClr val="000000"/>
                   </a:solidFill>
@@ -2302,7 +2309,7 @@
             </a:ln>
             <a:extLst>
               <a:ext uri="{91240B29-F687-4f45-9708-019B960494DF}">
-                <a14:hiddenLine xmlns:a14="http://schemas.microsoft.com/office/drawing/2010/main" xmlns="" w="9525">
+                <a14:hiddenLine xmlns="" xmlns:a14="http://schemas.microsoft.com/office/drawing/2010/main" w="9525">
                   <a:solidFill>
                     <a:srgbClr val="000000"/>
                   </a:solidFill>
@@ -2358,7 +2365,7 @@
             </a:ln>
             <a:extLst>
               <a:ext uri="{91240B29-F687-4f45-9708-019B960494DF}">
-                <a14:hiddenLine xmlns:a14="http://schemas.microsoft.com/office/drawing/2010/main" xmlns="" w="9525">
+                <a14:hiddenLine xmlns="" xmlns:a14="http://schemas.microsoft.com/office/drawing/2010/main" w="9525">
                   <a:solidFill>
                     <a:srgbClr val="000000"/>
                   </a:solidFill>
@@ -2448,7 +2455,7 @@
             </a:ln>
             <a:extLst>
               <a:ext uri="{91240B29-F687-4f45-9708-019B960494DF}">
-                <a14:hiddenLine xmlns:a14="http://schemas.microsoft.com/office/drawing/2010/main" xmlns="" w="9525">
+                <a14:hiddenLine xmlns="" xmlns:a14="http://schemas.microsoft.com/office/drawing/2010/main" w="9525">
                   <a:solidFill>
                     <a:srgbClr val="000000"/>
                   </a:solidFill>
@@ -2516,7 +2523,7 @@
             </a:ln>
             <a:extLst>
               <a:ext uri="{91240B29-F687-4f45-9708-019B960494DF}">
-                <a14:hiddenLine xmlns:a14="http://schemas.microsoft.com/office/drawing/2010/main" xmlns="" w="9525">
+                <a14:hiddenLine xmlns="" xmlns:a14="http://schemas.microsoft.com/office/drawing/2010/main" w="9525">
                   <a:solidFill>
                     <a:srgbClr val="000000"/>
                   </a:solidFill>
@@ -2606,7 +2613,7 @@
             </a:ln>
             <a:extLst>
               <a:ext uri="{91240B29-F687-4f45-9708-019B960494DF}">
-                <a14:hiddenLine xmlns:a14="http://schemas.microsoft.com/office/drawing/2010/main" xmlns="" w="9525">
+                <a14:hiddenLine xmlns="" xmlns:a14="http://schemas.microsoft.com/office/drawing/2010/main" w="9525">
                   <a:solidFill>
                     <a:srgbClr val="000000"/>
                   </a:solidFill>
@@ -2674,7 +2681,7 @@
             </a:ln>
             <a:extLst>
               <a:ext uri="{91240B29-F687-4f45-9708-019B960494DF}">
-                <a14:hiddenLine xmlns:a14="http://schemas.microsoft.com/office/drawing/2010/main" xmlns="" w="9525">
+                <a14:hiddenLine xmlns="" xmlns:a14="http://schemas.microsoft.com/office/drawing/2010/main" w="9525">
                   <a:solidFill>
                     <a:srgbClr val="000000"/>
                   </a:solidFill>
@@ -2764,7 +2771,7 @@
             </a:ln>
             <a:extLst>
               <a:ext uri="{91240B29-F687-4f45-9708-019B960494DF}">
-                <a14:hiddenLine xmlns:a14="http://schemas.microsoft.com/office/drawing/2010/main" xmlns="" w="9525">
+                <a14:hiddenLine xmlns="" xmlns:a14="http://schemas.microsoft.com/office/drawing/2010/main" w="9525">
                   <a:solidFill>
                     <a:srgbClr val="000000"/>
                   </a:solidFill>
@@ -2798,7 +2805,7 @@
             </a:ln>
             <a:extLst>
               <a:ext uri="{91240B29-F687-4f45-9708-019B960494DF}">
-                <a14:hiddenLine xmlns:a14="http://schemas.microsoft.com/office/drawing/2010/main" xmlns="" w="9525">
+                <a14:hiddenLine xmlns="" xmlns:a14="http://schemas.microsoft.com/office/drawing/2010/main" w="9525">
                   <a:solidFill>
                     <a:srgbClr val="000000"/>
                   </a:solidFill>
@@ -2888,7 +2895,7 @@
             </a:ln>
             <a:extLst>
               <a:ext uri="{91240B29-F687-4f45-9708-019B960494DF}">
-                <a14:hiddenLine xmlns:a14="http://schemas.microsoft.com/office/drawing/2010/main" xmlns="" w="9525">
+                <a14:hiddenLine xmlns="" xmlns:a14="http://schemas.microsoft.com/office/drawing/2010/main" w="9525">
                   <a:solidFill>
                     <a:srgbClr val="000000"/>
                   </a:solidFill>
@@ -2950,7 +2957,7 @@
             </a:ln>
             <a:extLst>
               <a:ext uri="{91240B29-F687-4f45-9708-019B960494DF}">
-                <a14:hiddenLine xmlns:a14="http://schemas.microsoft.com/office/drawing/2010/main" xmlns="" w="9525">
+                <a14:hiddenLine xmlns="" xmlns:a14="http://schemas.microsoft.com/office/drawing/2010/main" w="9525">
                   <a:solidFill>
                     <a:srgbClr val="000000"/>
                   </a:solidFill>
@@ -3012,7 +3019,7 @@
             </a:ln>
             <a:extLst>
               <a:ext uri="{91240B29-F687-4f45-9708-019B960494DF}">
-                <a14:hiddenLine xmlns:a14="http://schemas.microsoft.com/office/drawing/2010/main" xmlns="" w="9525">
+                <a14:hiddenLine xmlns="" xmlns:a14="http://schemas.microsoft.com/office/drawing/2010/main" w="9525">
                   <a:solidFill>
                     <a:srgbClr val="000000"/>
                   </a:solidFill>
@@ -3102,7 +3109,7 @@
             </a:ln>
             <a:extLst>
               <a:ext uri="{91240B29-F687-4f45-9708-019B960494DF}">
-                <a14:hiddenLine xmlns:a14="http://schemas.microsoft.com/office/drawing/2010/main" xmlns="" w="9525">
+                <a14:hiddenLine xmlns="" xmlns:a14="http://schemas.microsoft.com/office/drawing/2010/main" w="9525">
                   <a:solidFill>
                     <a:srgbClr val="000000"/>
                   </a:solidFill>
@@ -3170,7 +3177,7 @@
             </a:ln>
             <a:extLst>
               <a:ext uri="{91240B29-F687-4f45-9708-019B960494DF}">
-                <a14:hiddenLine xmlns:a14="http://schemas.microsoft.com/office/drawing/2010/main" xmlns="" w="9525">
+                <a14:hiddenLine xmlns="" xmlns:a14="http://schemas.microsoft.com/office/drawing/2010/main" w="9525">
                   <a:solidFill>
                     <a:srgbClr val="000000"/>
                   </a:solidFill>
@@ -3232,7 +3239,7 @@
             </a:ln>
             <a:extLst>
               <a:ext uri="{91240B29-F687-4f45-9708-019B960494DF}">
-                <a14:hiddenLine xmlns:a14="http://schemas.microsoft.com/office/drawing/2010/main" xmlns="" w="9525">
+                <a14:hiddenLine xmlns="" xmlns:a14="http://schemas.microsoft.com/office/drawing/2010/main" w="9525">
                   <a:solidFill>
                     <a:srgbClr val="000000"/>
                   </a:solidFill>
@@ -3322,7 +3329,7 @@
             </a:ln>
             <a:extLst>
               <a:ext uri="{91240B29-F687-4f45-9708-019B960494DF}">
-                <a14:hiddenLine xmlns:a14="http://schemas.microsoft.com/office/drawing/2010/main" xmlns="" w="9525">
+                <a14:hiddenLine xmlns="" xmlns:a14="http://schemas.microsoft.com/office/drawing/2010/main" w="9525">
                   <a:solidFill>
                     <a:srgbClr val="000000"/>
                   </a:solidFill>
@@ -3384,7 +3391,7 @@
             </a:ln>
             <a:extLst>
               <a:ext uri="{91240B29-F687-4f45-9708-019B960494DF}">
-                <a14:hiddenLine xmlns:a14="http://schemas.microsoft.com/office/drawing/2010/main" xmlns="" w="9525">
+                <a14:hiddenLine xmlns="" xmlns:a14="http://schemas.microsoft.com/office/drawing/2010/main" w="9525">
                   <a:solidFill>
                     <a:srgbClr val="000000"/>
                   </a:solidFill>
@@ -3474,7 +3481,7 @@
             </a:ln>
             <a:extLst>
               <a:ext uri="{91240B29-F687-4f45-9708-019B960494DF}">
-                <a14:hiddenLine xmlns:a14="http://schemas.microsoft.com/office/drawing/2010/main" xmlns="" w="9525">
+                <a14:hiddenLine xmlns="" xmlns:a14="http://schemas.microsoft.com/office/drawing/2010/main" w="9525">
                   <a:solidFill>
                     <a:srgbClr val="000000"/>
                   </a:solidFill>
@@ -3536,7 +3543,7 @@
             </a:ln>
             <a:extLst>
               <a:ext uri="{91240B29-F687-4f45-9708-019B960494DF}">
-                <a14:hiddenLine xmlns:a14="http://schemas.microsoft.com/office/drawing/2010/main" xmlns="" w="9525">
+                <a14:hiddenLine xmlns="" xmlns:a14="http://schemas.microsoft.com/office/drawing/2010/main" w="9525">
                   <a:solidFill>
                     <a:srgbClr val="000000"/>
                   </a:solidFill>
@@ -3626,7 +3633,7 @@
             </a:ln>
             <a:extLst>
               <a:ext uri="{91240B29-F687-4f45-9708-019B960494DF}">
-                <a14:hiddenLine xmlns:a14="http://schemas.microsoft.com/office/drawing/2010/main" xmlns="" w="9525">
+                <a14:hiddenLine xmlns="" xmlns:a14="http://schemas.microsoft.com/office/drawing/2010/main" w="9525">
                   <a:solidFill>
                     <a:srgbClr val="000000"/>
                   </a:solidFill>
@@ -3660,7 +3667,7 @@
             </a:ln>
             <a:extLst>
               <a:ext uri="{91240B29-F687-4f45-9708-019B960494DF}">
-                <a14:hiddenLine xmlns:a14="http://schemas.microsoft.com/office/drawing/2010/main" xmlns="" w="9525">
+                <a14:hiddenLine xmlns="" xmlns:a14="http://schemas.microsoft.com/office/drawing/2010/main" w="9525">
                   <a:solidFill>
                     <a:srgbClr val="000000"/>
                   </a:solidFill>
@@ -3725,7 +3732,7 @@
             </a:ln>
             <a:extLst>
               <a:ext uri="{91240B29-F687-4f45-9708-019B960494DF}">
-                <a14:hiddenLine xmlns:a14="http://schemas.microsoft.com/office/drawing/2010/main" xmlns="" w="9525">
+                <a14:hiddenLine xmlns="" xmlns:a14="http://schemas.microsoft.com/office/drawing/2010/main" w="9525">
                   <a:solidFill>
                     <a:srgbClr val="000000"/>
                   </a:solidFill>
@@ -3815,7 +3822,7 @@
             </a:ln>
             <a:extLst>
               <a:ext uri="{91240B29-F687-4f45-9708-019B960494DF}">
-                <a14:hiddenLine xmlns:a14="http://schemas.microsoft.com/office/drawing/2010/main" xmlns="" w="9525">
+                <a14:hiddenLine xmlns="" xmlns:a14="http://schemas.microsoft.com/office/drawing/2010/main" w="9525">
                   <a:solidFill>
                     <a:srgbClr val="000000"/>
                   </a:solidFill>
@@ -3877,7 +3884,7 @@
             </a:ln>
             <a:extLst>
               <a:ext uri="{91240B29-F687-4f45-9708-019B960494DF}">
-                <a14:hiddenLine xmlns:a14="http://schemas.microsoft.com/office/drawing/2010/main" xmlns="" w="9525">
+                <a14:hiddenLine xmlns="" xmlns:a14="http://schemas.microsoft.com/office/drawing/2010/main" w="9525">
                   <a:solidFill>
                     <a:srgbClr val="000000"/>
                   </a:solidFill>
@@ -3967,7 +3974,7 @@
             </a:ln>
             <a:extLst>
               <a:ext uri="{91240B29-F687-4f45-9708-019B960494DF}">
-                <a14:hiddenLine xmlns:a14="http://schemas.microsoft.com/office/drawing/2010/main" xmlns="" w="9525">
+                <a14:hiddenLine xmlns="" xmlns:a14="http://schemas.microsoft.com/office/drawing/2010/main" w="9525">
                   <a:solidFill>
                     <a:srgbClr val="000000"/>
                   </a:solidFill>
@@ -4057,7 +4064,7 @@
             </a:ln>
             <a:extLst>
               <a:ext uri="{91240B29-F687-4f45-9708-019B960494DF}">
-                <a14:hiddenLine xmlns:a14="http://schemas.microsoft.com/office/drawing/2010/main" xmlns="" w="9525">
+                <a14:hiddenLine xmlns="" xmlns:a14="http://schemas.microsoft.com/office/drawing/2010/main" w="9525">
                   <a:solidFill>
                     <a:srgbClr val="000000"/>
                   </a:solidFill>
@@ -4122,7 +4129,7 @@
             </a:ln>
             <a:extLst>
               <a:ext uri="{91240B29-F687-4f45-9708-019B960494DF}">
-                <a14:hiddenLine xmlns:a14="http://schemas.microsoft.com/office/drawing/2010/main" xmlns="" w="9525">
+                <a14:hiddenLine xmlns="" xmlns:a14="http://schemas.microsoft.com/office/drawing/2010/main" w="9525">
                   <a:solidFill>
                     <a:srgbClr val="000000"/>
                   </a:solidFill>
@@ -4184,7 +4191,7 @@
             </a:ln>
             <a:extLst>
               <a:ext uri="{91240B29-F687-4f45-9708-019B960494DF}">
-                <a14:hiddenLine xmlns:a14="http://schemas.microsoft.com/office/drawing/2010/main" xmlns="" w="9525">
+                <a14:hiddenLine xmlns="" xmlns:a14="http://schemas.microsoft.com/office/drawing/2010/main" w="9525">
                   <a:solidFill>
                     <a:srgbClr val="000000"/>
                   </a:solidFill>
@@ -4274,7 +4281,7 @@
             </a:ln>
             <a:extLst>
               <a:ext uri="{91240B29-F687-4f45-9708-019B960494DF}">
-                <a14:hiddenLine xmlns:a14="http://schemas.microsoft.com/office/drawing/2010/main" xmlns="" w="9525">
+                <a14:hiddenLine xmlns="" xmlns:a14="http://schemas.microsoft.com/office/drawing/2010/main" w="9525">
                   <a:solidFill>
                     <a:srgbClr val="000000"/>
                   </a:solidFill>
@@ -4364,7 +4371,7 @@
             </a:ln>
             <a:extLst>
               <a:ext uri="{91240B29-F687-4f45-9708-019B960494DF}">
-                <a14:hiddenLine xmlns:a14="http://schemas.microsoft.com/office/drawing/2010/main" xmlns="" w="9525">
+                <a14:hiddenLine xmlns="" xmlns:a14="http://schemas.microsoft.com/office/drawing/2010/main" w="9525">
                   <a:solidFill>
                     <a:srgbClr val="000000"/>
                   </a:solidFill>
@@ -4426,7 +4433,7 @@
             </a:ln>
             <a:extLst>
               <a:ext uri="{91240B29-F687-4f45-9708-019B960494DF}">
-                <a14:hiddenLine xmlns:a14="http://schemas.microsoft.com/office/drawing/2010/main" xmlns="" w="9525">
+                <a14:hiddenLine xmlns="" xmlns:a14="http://schemas.microsoft.com/office/drawing/2010/main" w="9525">
                   <a:solidFill>
                     <a:srgbClr val="000000"/>
                   </a:solidFill>
@@ -4546,7 +4553,7 @@
             </a:ln>
             <a:extLst>
               <a:ext uri="{91240B29-F687-4f45-9708-019B960494DF}">
-                <a14:hiddenLine xmlns:a14="http://schemas.microsoft.com/office/drawing/2010/main" xmlns="" w="9525">
+                <a14:hiddenLine xmlns="" xmlns:a14="http://schemas.microsoft.com/office/drawing/2010/main" w="9525">
                   <a:solidFill>
                     <a:srgbClr val="000000"/>
                   </a:solidFill>
@@ -4614,7 +4621,7 @@
             </a:ln>
             <a:extLst>
               <a:ext uri="{91240B29-F687-4f45-9708-019B960494DF}">
-                <a14:hiddenLine xmlns:a14="http://schemas.microsoft.com/office/drawing/2010/main" xmlns="" w="9525">
+                <a14:hiddenLine xmlns="" xmlns:a14="http://schemas.microsoft.com/office/drawing/2010/main" w="9525">
                   <a:solidFill>
                     <a:srgbClr val="000000"/>
                   </a:solidFill>
@@ -4704,7 +4711,7 @@
             </a:ln>
             <a:extLst>
               <a:ext uri="{91240B29-F687-4f45-9708-019B960494DF}">
-                <a14:hiddenLine xmlns:a14="http://schemas.microsoft.com/office/drawing/2010/main" xmlns="" w="9525">
+                <a14:hiddenLine xmlns="" xmlns:a14="http://schemas.microsoft.com/office/drawing/2010/main" w="9525">
                   <a:solidFill>
                     <a:srgbClr val="000000"/>
                   </a:solidFill>
@@ -9533,7 +9540,7 @@
           <a:noFill/>
           <a:extLst>
             <a:ext uri="{909E8E84-426E-40dd-AFC4-6F175D3DCCD1}">
-              <a14:hiddenFill xmlns:a14="http://schemas.microsoft.com/office/drawing/2010/main" xmlns="">
+              <a14:hiddenFill xmlns="" xmlns:a14="http://schemas.microsoft.com/office/drawing/2010/main">
                 <a:solidFill>
                   <a:srgbClr val="FFFFFF"/>
                 </a:solidFill>
@@ -9607,7 +9614,7 @@
               </a:ln>
               <a:extLst>
                 <a:ext uri="{91240B29-F687-4f45-9708-019B960494DF}">
-                  <a14:hiddenLine xmlns:a14="http://schemas.microsoft.com/office/drawing/2010/main" xmlns="" w="9525">
+                  <a14:hiddenLine xmlns="" xmlns:a14="http://schemas.microsoft.com/office/drawing/2010/main" w="9525">
                     <a:solidFill>
                       <a:srgbClr val="000000"/>
                     </a:solidFill>
@@ -9697,7 +9704,7 @@
               </a:ln>
               <a:extLst>
                 <a:ext uri="{91240B29-F687-4f45-9708-019B960494DF}">
-                  <a14:hiddenLine xmlns:a14="http://schemas.microsoft.com/office/drawing/2010/main" xmlns="" w="9525">
+                  <a14:hiddenLine xmlns="" xmlns:a14="http://schemas.microsoft.com/office/drawing/2010/main" w="9525">
                     <a:solidFill>
                       <a:srgbClr val="000000"/>
                     </a:solidFill>
@@ -9787,7 +9794,7 @@
               </a:ln>
               <a:extLst>
                 <a:ext uri="{91240B29-F687-4f45-9708-019B960494DF}">
-                  <a14:hiddenLine xmlns:a14="http://schemas.microsoft.com/office/drawing/2010/main" xmlns="" w="9525">
+                  <a14:hiddenLine xmlns="" xmlns:a14="http://schemas.microsoft.com/office/drawing/2010/main" w="9525">
                     <a:solidFill>
                       <a:srgbClr val="000000"/>
                     </a:solidFill>
@@ -9849,7 +9856,7 @@
               </a:ln>
               <a:extLst>
                 <a:ext uri="{91240B29-F687-4f45-9708-019B960494DF}">
-                  <a14:hiddenLine xmlns:a14="http://schemas.microsoft.com/office/drawing/2010/main" xmlns="" w="9525">
+                  <a14:hiddenLine xmlns="" xmlns:a14="http://schemas.microsoft.com/office/drawing/2010/main" w="9525">
                     <a:solidFill>
                       <a:srgbClr val="000000"/>
                     </a:solidFill>
@@ -9939,7 +9946,7 @@
               </a:ln>
               <a:extLst>
                 <a:ext uri="{91240B29-F687-4f45-9708-019B960494DF}">
-                  <a14:hiddenLine xmlns:a14="http://schemas.microsoft.com/office/drawing/2010/main" xmlns="" w="9525">
+                  <a14:hiddenLine xmlns="" xmlns:a14="http://schemas.microsoft.com/office/drawing/2010/main" w="9525">
                     <a:solidFill>
                       <a:srgbClr val="000000"/>
                     </a:solidFill>
@@ -10001,7 +10008,7 @@
               </a:ln>
               <a:extLst>
                 <a:ext uri="{91240B29-F687-4f45-9708-019B960494DF}">
-                  <a14:hiddenLine xmlns:a14="http://schemas.microsoft.com/office/drawing/2010/main" xmlns="" w="9525">
+                  <a14:hiddenLine xmlns="" xmlns:a14="http://schemas.microsoft.com/office/drawing/2010/main" w="9525">
                     <a:solidFill>
                       <a:srgbClr val="000000"/>
                     </a:solidFill>
@@ -10063,7 +10070,7 @@
               </a:ln>
               <a:extLst>
                 <a:ext uri="{91240B29-F687-4f45-9708-019B960494DF}">
-                  <a14:hiddenLine xmlns:a14="http://schemas.microsoft.com/office/drawing/2010/main" xmlns="" w="9525">
+                  <a14:hiddenLine xmlns="" xmlns:a14="http://schemas.microsoft.com/office/drawing/2010/main" w="9525">
                     <a:solidFill>
                       <a:srgbClr val="000000"/>
                     </a:solidFill>
@@ -10153,7 +10160,7 @@
               </a:ln>
               <a:extLst>
                 <a:ext uri="{91240B29-F687-4f45-9708-019B960494DF}">
-                  <a14:hiddenLine xmlns:a14="http://schemas.microsoft.com/office/drawing/2010/main" xmlns="" w="9525">
+                  <a14:hiddenLine xmlns="" xmlns:a14="http://schemas.microsoft.com/office/drawing/2010/main" w="9525">
                     <a:solidFill>
                       <a:srgbClr val="000000"/>
                     </a:solidFill>
@@ -10243,7 +10250,7 @@
               </a:ln>
               <a:extLst>
                 <a:ext uri="{91240B29-F687-4f45-9708-019B960494DF}">
-                  <a14:hiddenLine xmlns:a14="http://schemas.microsoft.com/office/drawing/2010/main" xmlns="" w="9525">
+                  <a14:hiddenLine xmlns="" xmlns:a14="http://schemas.microsoft.com/office/drawing/2010/main" w="9525">
                     <a:solidFill>
                       <a:srgbClr val="000000"/>
                     </a:solidFill>
@@ -10305,7 +10312,7 @@
               </a:ln>
               <a:extLst>
                 <a:ext uri="{91240B29-F687-4f45-9708-019B960494DF}">
-                  <a14:hiddenLine xmlns:a14="http://schemas.microsoft.com/office/drawing/2010/main" xmlns="" w="9525">
+                  <a14:hiddenLine xmlns="" xmlns:a14="http://schemas.microsoft.com/office/drawing/2010/main" w="9525">
                     <a:solidFill>
                       <a:srgbClr val="000000"/>
                     </a:solidFill>
@@ -10415,7 +10422,7 @@
               </a:ln>
               <a:extLst>
                 <a:ext uri="{91240B29-F687-4f45-9708-019B960494DF}">
-                  <a14:hiddenLine xmlns:a14="http://schemas.microsoft.com/office/drawing/2010/main" xmlns="" w="9525">
+                  <a14:hiddenLine xmlns="" xmlns:a14="http://schemas.microsoft.com/office/drawing/2010/main" w="9525">
                     <a:solidFill>
                       <a:srgbClr val="000000"/>
                     </a:solidFill>
@@ -10499,7 +10506,7 @@
               </a:ln>
               <a:extLst>
                 <a:ext uri="{91240B29-F687-4f45-9708-019B960494DF}">
-                  <a14:hiddenLine xmlns:a14="http://schemas.microsoft.com/office/drawing/2010/main" xmlns="" w="9525">
+                  <a14:hiddenLine xmlns="" xmlns:a14="http://schemas.microsoft.com/office/drawing/2010/main" w="9525">
                     <a:solidFill>
                       <a:srgbClr val="000000"/>
                     </a:solidFill>
@@ -10561,7 +10568,7 @@
               </a:ln>
               <a:extLst>
                 <a:ext uri="{91240B29-F687-4f45-9708-019B960494DF}">
-                  <a14:hiddenLine xmlns:a14="http://schemas.microsoft.com/office/drawing/2010/main" xmlns="" w="9525">
+                  <a14:hiddenLine xmlns="" xmlns:a14="http://schemas.microsoft.com/office/drawing/2010/main" w="9525">
                     <a:solidFill>
                       <a:srgbClr val="000000"/>
                     </a:solidFill>
@@ -10623,7 +10630,7 @@
               </a:ln>
               <a:extLst>
                 <a:ext uri="{91240B29-F687-4f45-9708-019B960494DF}">
-                  <a14:hiddenLine xmlns:a14="http://schemas.microsoft.com/office/drawing/2010/main" xmlns="" w="9525">
+                  <a14:hiddenLine xmlns="" xmlns:a14="http://schemas.microsoft.com/office/drawing/2010/main" w="9525">
                     <a:solidFill>
                       <a:srgbClr val="000000"/>
                     </a:solidFill>
@@ -10713,7 +10720,7 @@
               </a:ln>
               <a:extLst>
                 <a:ext uri="{91240B29-F687-4f45-9708-019B960494DF}">
-                  <a14:hiddenLine xmlns:a14="http://schemas.microsoft.com/office/drawing/2010/main" xmlns="" w="9525">
+                  <a14:hiddenLine xmlns="" xmlns:a14="http://schemas.microsoft.com/office/drawing/2010/main" w="9525">
                     <a:solidFill>
                       <a:srgbClr val="000000"/>
                     </a:solidFill>
@@ -10747,7 +10754,7 @@
               </a:ln>
               <a:extLst>
                 <a:ext uri="{91240B29-F687-4f45-9708-019B960494DF}">
-                  <a14:hiddenLine xmlns:a14="http://schemas.microsoft.com/office/drawing/2010/main" xmlns="" w="9525">
+                  <a14:hiddenLine xmlns="" xmlns:a14="http://schemas.microsoft.com/office/drawing/2010/main" w="9525">
                     <a:solidFill>
                       <a:srgbClr val="000000"/>
                     </a:solidFill>
@@ -10812,7 +10819,7 @@
               </a:ln>
               <a:extLst>
                 <a:ext uri="{91240B29-F687-4f45-9708-019B960494DF}">
-                  <a14:hiddenLine xmlns:a14="http://schemas.microsoft.com/office/drawing/2010/main" xmlns="" w="9525">
+                  <a14:hiddenLine xmlns="" xmlns:a14="http://schemas.microsoft.com/office/drawing/2010/main" w="9525">
                     <a:solidFill>
                       <a:srgbClr val="000000"/>
                     </a:solidFill>
@@ -10902,7 +10909,7 @@
               </a:ln>
               <a:extLst>
                 <a:ext uri="{91240B29-F687-4f45-9708-019B960494DF}">
-                  <a14:hiddenLine xmlns:a14="http://schemas.microsoft.com/office/drawing/2010/main" xmlns="" w="9525">
+                  <a14:hiddenLine xmlns="" xmlns:a14="http://schemas.microsoft.com/office/drawing/2010/main" w="9525">
                     <a:solidFill>
                       <a:srgbClr val="000000"/>
                     </a:solidFill>
@@ -10964,7 +10971,7 @@
               </a:ln>
               <a:extLst>
                 <a:ext uri="{91240B29-F687-4f45-9708-019B960494DF}">
-                  <a14:hiddenLine xmlns:a14="http://schemas.microsoft.com/office/drawing/2010/main" xmlns="" w="9525">
+                  <a14:hiddenLine xmlns="" xmlns:a14="http://schemas.microsoft.com/office/drawing/2010/main" w="9525">
                     <a:solidFill>
                       <a:srgbClr val="000000"/>
                     </a:solidFill>
@@ -11054,7 +11061,7 @@
               </a:ln>
               <a:extLst>
                 <a:ext uri="{91240B29-F687-4f45-9708-019B960494DF}">
-                  <a14:hiddenLine xmlns:a14="http://schemas.microsoft.com/office/drawing/2010/main" xmlns="" w="9525">
+                  <a14:hiddenLine xmlns="" xmlns:a14="http://schemas.microsoft.com/office/drawing/2010/main" w="9525">
                     <a:solidFill>
                       <a:srgbClr val="000000"/>
                     </a:solidFill>
@@ -11119,7 +11126,7 @@
               </a:ln>
               <a:extLst>
                 <a:ext uri="{91240B29-F687-4f45-9708-019B960494DF}">
-                  <a14:hiddenLine xmlns:a14="http://schemas.microsoft.com/office/drawing/2010/main" xmlns="" w="9525">
+                  <a14:hiddenLine xmlns="" xmlns:a14="http://schemas.microsoft.com/office/drawing/2010/main" w="9525">
                     <a:solidFill>
                       <a:srgbClr val="000000"/>
                     </a:solidFill>
@@ -11181,7 +11188,7 @@
               </a:ln>
               <a:extLst>
                 <a:ext uri="{91240B29-F687-4f45-9708-019B960494DF}">
-                  <a14:hiddenLine xmlns:a14="http://schemas.microsoft.com/office/drawing/2010/main" xmlns="" w="9525">
+                  <a14:hiddenLine xmlns="" xmlns:a14="http://schemas.microsoft.com/office/drawing/2010/main" w="9525">
                     <a:solidFill>
                       <a:srgbClr val="000000"/>
                     </a:solidFill>
@@ -11271,7 +11278,7 @@
               </a:ln>
               <a:extLst>
                 <a:ext uri="{91240B29-F687-4f45-9708-019B960494DF}">
-                  <a14:hiddenLine xmlns:a14="http://schemas.microsoft.com/office/drawing/2010/main" xmlns="" w="9525">
+                  <a14:hiddenLine xmlns="" xmlns:a14="http://schemas.microsoft.com/office/drawing/2010/main" w="9525">
                     <a:solidFill>
                       <a:srgbClr val="000000"/>
                     </a:solidFill>
@@ -11361,7 +11368,7 @@
               </a:ln>
               <a:extLst>
                 <a:ext uri="{91240B29-F687-4f45-9708-019B960494DF}">
-                  <a14:hiddenLine xmlns:a14="http://schemas.microsoft.com/office/drawing/2010/main" xmlns="" w="9525">
+                  <a14:hiddenLine xmlns="" xmlns:a14="http://schemas.microsoft.com/office/drawing/2010/main" w="9525">
                     <a:solidFill>
                       <a:srgbClr val="000000"/>
                     </a:solidFill>
@@ -11426,7 +11433,7 @@
               </a:ln>
               <a:extLst>
                 <a:ext uri="{91240B29-F687-4f45-9708-019B960494DF}">
-                  <a14:hiddenLine xmlns:a14="http://schemas.microsoft.com/office/drawing/2010/main" xmlns="" w="9525">
+                  <a14:hiddenLine xmlns="" xmlns:a14="http://schemas.microsoft.com/office/drawing/2010/main" w="9525">
                     <a:solidFill>
                       <a:srgbClr val="000000"/>
                     </a:solidFill>
@@ -11546,7 +11553,7 @@
               </a:ln>
               <a:extLst>
                 <a:ext uri="{91240B29-F687-4f45-9708-019B960494DF}">
-                  <a14:hiddenLine xmlns:a14="http://schemas.microsoft.com/office/drawing/2010/main" xmlns="" w="9525">
+                  <a14:hiddenLine xmlns="" xmlns:a14="http://schemas.microsoft.com/office/drawing/2010/main" w="9525">
                     <a:solidFill>
                       <a:srgbClr val="000000"/>
                     </a:solidFill>
@@ -11627,7 +11634,7 @@
               </a:ln>
               <a:extLst>
                 <a:ext uri="{91240B29-F687-4f45-9708-019B960494DF}">
-                  <a14:hiddenLine xmlns:a14="http://schemas.microsoft.com/office/drawing/2010/main" xmlns="" w="9525">
+                  <a14:hiddenLine xmlns="" xmlns:a14="http://schemas.microsoft.com/office/drawing/2010/main" w="9525">
                     <a:solidFill>
                       <a:srgbClr val="000000"/>
                     </a:solidFill>
@@ -11742,7 +11749,7 @@
               </a:ln>
               <a:extLst>
                 <a:ext uri="{91240B29-F687-4f45-9708-019B960494DF}">
-                  <a14:hiddenLine xmlns:a14="http://schemas.microsoft.com/office/drawing/2010/main" xmlns="" w="9525">
+                  <a14:hiddenLine xmlns="" xmlns:a14="http://schemas.microsoft.com/office/drawing/2010/main" w="9525">
                     <a:solidFill>
                       <a:srgbClr val="000000"/>
                     </a:solidFill>
@@ -11832,7 +11839,7 @@
               </a:ln>
               <a:extLst>
                 <a:ext uri="{91240B29-F687-4f45-9708-019B960494DF}">
-                  <a14:hiddenLine xmlns:a14="http://schemas.microsoft.com/office/drawing/2010/main" xmlns="" w="9525">
+                  <a14:hiddenLine xmlns="" xmlns:a14="http://schemas.microsoft.com/office/drawing/2010/main" w="9525">
                     <a:solidFill>
                       <a:srgbClr val="000000"/>
                     </a:solidFill>
@@ -11897,7 +11904,7 @@
               </a:ln>
               <a:extLst>
                 <a:ext uri="{91240B29-F687-4f45-9708-019B960494DF}">
-                  <a14:hiddenLine xmlns:a14="http://schemas.microsoft.com/office/drawing/2010/main" xmlns="" w="9525">
+                  <a14:hiddenLine xmlns="" xmlns:a14="http://schemas.microsoft.com/office/drawing/2010/main" w="9525">
                     <a:solidFill>
                       <a:srgbClr val="000000"/>
                     </a:solidFill>
@@ -11987,7 +11994,7 @@
               </a:ln>
               <a:extLst>
                 <a:ext uri="{91240B29-F687-4f45-9708-019B960494DF}">
-                  <a14:hiddenLine xmlns:a14="http://schemas.microsoft.com/office/drawing/2010/main" xmlns="" w="9525">
+                  <a14:hiddenLine xmlns="" xmlns:a14="http://schemas.microsoft.com/office/drawing/2010/main" w="9525">
                     <a:solidFill>
                       <a:srgbClr val="000000"/>
                     </a:solidFill>
@@ -12055,7 +12062,7 @@
               </a:ln>
               <a:extLst>
                 <a:ext uri="{91240B29-F687-4f45-9708-019B960494DF}">
-                  <a14:hiddenLine xmlns:a14="http://schemas.microsoft.com/office/drawing/2010/main" xmlns="" w="9525">
+                  <a14:hiddenLine xmlns="" xmlns:a14="http://schemas.microsoft.com/office/drawing/2010/main" w="9525">
                     <a:solidFill>
                       <a:srgbClr val="000000"/>
                     </a:solidFill>
@@ -12145,7 +12152,7 @@
               </a:ln>
               <a:extLst>
                 <a:ext uri="{91240B29-F687-4f45-9708-019B960494DF}">
-                  <a14:hiddenLine xmlns:a14="http://schemas.microsoft.com/office/drawing/2010/main" xmlns="" w="9525">
+                  <a14:hiddenLine xmlns="" xmlns:a14="http://schemas.microsoft.com/office/drawing/2010/main" w="9525">
                     <a:solidFill>
                       <a:srgbClr val="000000"/>
                     </a:solidFill>
@@ -12213,7 +12220,7 @@
               </a:ln>
               <a:extLst>
                 <a:ext uri="{91240B29-F687-4f45-9708-019B960494DF}">
-                  <a14:hiddenLine xmlns:a14="http://schemas.microsoft.com/office/drawing/2010/main" xmlns="" w="9525">
+                  <a14:hiddenLine xmlns="" xmlns:a14="http://schemas.microsoft.com/office/drawing/2010/main" w="9525">
                     <a:solidFill>
                       <a:srgbClr val="000000"/>
                     </a:solidFill>
@@ -12303,7 +12310,7 @@
               </a:ln>
               <a:extLst>
                 <a:ext uri="{91240B29-F687-4f45-9708-019B960494DF}">
-                  <a14:hiddenLine xmlns:a14="http://schemas.microsoft.com/office/drawing/2010/main" xmlns="" w="9525">
+                  <a14:hiddenLine xmlns="" xmlns:a14="http://schemas.microsoft.com/office/drawing/2010/main" w="9525">
                     <a:solidFill>
                       <a:srgbClr val="000000"/>
                     </a:solidFill>
@@ -12337,7 +12344,7 @@
               </a:ln>
               <a:extLst>
                 <a:ext uri="{91240B29-F687-4f45-9708-019B960494DF}">
-                  <a14:hiddenLine xmlns:a14="http://schemas.microsoft.com/office/drawing/2010/main" xmlns="" w="9525">
+                  <a14:hiddenLine xmlns="" xmlns:a14="http://schemas.microsoft.com/office/drawing/2010/main" w="9525">
                     <a:solidFill>
                       <a:srgbClr val="000000"/>
                     </a:solidFill>
@@ -13038,8 +13045,8 @@
           </a:p>
         </p:txBody>
       </p:sp>
-      <mc:AlternateContent xmlns:mc="http://schemas.openxmlformats.org/markup-compatibility/2006">
-        <mc:Choice xmlns:a14="http://schemas.microsoft.com/office/drawing/2010/main" Requires="a14">
+      <mc:AlternateContent xmlns:mc="http://schemas.openxmlformats.org/markup-compatibility/2006" xmlns:a14="http://schemas.microsoft.com/office/drawing/2010/main">
+        <mc:Choice Requires="a14">
           <p:sp>
             <p:nvSpPr>
               <p:cNvPr id="3" name="Content Placeholder 2">
@@ -13368,7 +13375,7 @@
             </p:txBody>
           </p:sp>
         </mc:Choice>
-        <mc:Fallback>
+        <mc:Fallback xmlns="">
           <p:sp>
             <p:nvSpPr>
               <p:cNvPr id="3" name="Content Placeholder 2">
@@ -13725,8 +13732,8 @@
           </a:p>
         </p:txBody>
       </p:sp>
-      <mc:AlternateContent xmlns:mc="http://schemas.openxmlformats.org/markup-compatibility/2006">
-        <mc:Choice xmlns:a14="http://schemas.microsoft.com/office/drawing/2010/main" Requires="a14">
+      <mc:AlternateContent xmlns:mc="http://schemas.openxmlformats.org/markup-compatibility/2006" xmlns:a14="http://schemas.microsoft.com/office/drawing/2010/main">
+        <mc:Choice Requires="a14">
           <p:sp>
             <p:nvSpPr>
               <p:cNvPr id="3" name="Content Placeholder 2">
@@ -14055,7 +14062,7 @@
             </p:txBody>
           </p:sp>
         </mc:Choice>
-        <mc:Fallback>
+        <mc:Fallback xmlns="">
           <p:sp>
             <p:nvSpPr>
               <p:cNvPr id="3" name="Content Placeholder 2">
@@ -14472,8 +14479,8 @@
           </a:p>
         </p:txBody>
       </p:sp>
-      <mc:AlternateContent xmlns:mc="http://schemas.openxmlformats.org/markup-compatibility/2006">
-        <mc:Choice xmlns:a14="http://schemas.microsoft.com/office/drawing/2010/main" Requires="a14">
+      <mc:AlternateContent xmlns:mc="http://schemas.openxmlformats.org/markup-compatibility/2006" xmlns:a14="http://schemas.microsoft.com/office/drawing/2010/main">
+        <mc:Choice Requires="a14">
           <p:sp>
             <p:nvSpPr>
               <p:cNvPr id="3" name="Content Placeholder 2">
@@ -14802,7 +14809,7 @@
             </p:txBody>
           </p:sp>
         </mc:Choice>
-        <mc:Fallback>
+        <mc:Fallback xmlns="">
           <p:sp>
             <p:nvSpPr>
               <p:cNvPr id="3" name="Content Placeholder 2">
@@ -15893,6 +15900,1073 @@
 </p:sld>
 </file>
 
+<file path=ppt/slides/slide16.xml><?xml version="1.0" encoding="utf-8"?>
+<p:sld xmlns:a="http://schemas.openxmlformats.org/drawingml/2006/main" xmlns:r="http://schemas.openxmlformats.org/officeDocument/2006/relationships" xmlns:p="http://schemas.openxmlformats.org/presentationml/2006/main">
+  <p:cSld>
+    <p:spTree>
+      <p:nvGrpSpPr>
+        <p:cNvPr id="1" name=""/>
+        <p:cNvGrpSpPr/>
+        <p:nvPr/>
+      </p:nvGrpSpPr>
+      <p:grpSpPr>
+        <a:xfrm>
+          <a:off x="0" y="0"/>
+          <a:ext cx="0" cy="0"/>
+          <a:chOff x="0" y="0"/>
+          <a:chExt cx="0" cy="0"/>
+        </a:xfrm>
+      </p:grpSpPr>
+      <p:sp>
+        <p:nvSpPr>
+          <p:cNvPr id="2" name="Title 1">
+            <a:extLst>
+              <a:ext uri="{FF2B5EF4-FFF2-40B4-BE49-F238E27FC236}">
+                <a16:creationId xmlns:a16="http://schemas.microsoft.com/office/drawing/2014/main" id="{87719C56-21DC-0A40-AA49-9AF4AF4C92DA}"/>
+              </a:ext>
+            </a:extLst>
+          </p:cNvPr>
+          <p:cNvSpPr>
+            <a:spLocks noGrp="1"/>
+          </p:cNvSpPr>
+          <p:nvPr>
+            <p:ph type="title"/>
+          </p:nvPr>
+        </p:nvSpPr>
+        <p:spPr/>
+        <p:txBody>
+          <a:bodyPr/>
+          <a:lstStyle/>
+          <a:p>
+            <a:pPr algn="ctr"/>
+            <a:r>
+              <a:rPr lang="en-US" dirty="0"/>
+              <a:t>Part 4: Reducibility</a:t>
+            </a:r>
+          </a:p>
+        </p:txBody>
+      </p:sp>
+    </p:spTree>
+    <p:extLst>
+      <p:ext uri="{BB962C8B-B14F-4D97-AF65-F5344CB8AC3E}">
+        <p14:creationId xmlns:p14="http://schemas.microsoft.com/office/powerpoint/2010/main" val="2630216446"/>
+      </p:ext>
+    </p:extLst>
+  </p:cSld>
+  <p:clrMapOvr>
+    <a:masterClrMapping/>
+  </p:clrMapOvr>
+</p:sld>
+</file>
+
+<file path=ppt/slides/slide17.xml><?xml version="1.0" encoding="utf-8"?>
+<p:sld xmlns:a="http://schemas.openxmlformats.org/drawingml/2006/main" xmlns:r="http://schemas.openxmlformats.org/officeDocument/2006/relationships" xmlns:p="http://schemas.openxmlformats.org/presentationml/2006/main">
+  <p:cSld>
+    <p:spTree>
+      <p:nvGrpSpPr>
+        <p:cNvPr id="1" name=""/>
+        <p:cNvGrpSpPr/>
+        <p:nvPr/>
+      </p:nvGrpSpPr>
+      <p:grpSpPr>
+        <a:xfrm>
+          <a:off x="0" y="0"/>
+          <a:ext cx="0" cy="0"/>
+          <a:chOff x="0" y="0"/>
+          <a:chExt cx="0" cy="0"/>
+        </a:xfrm>
+      </p:grpSpPr>
+      <p:sp>
+        <p:nvSpPr>
+          <p:cNvPr id="2" name="Title 1">
+            <a:extLst>
+              <a:ext uri="{FF2B5EF4-FFF2-40B4-BE49-F238E27FC236}">
+                <a16:creationId xmlns:a16="http://schemas.microsoft.com/office/drawing/2014/main" id="{D63C04CD-2329-4D47-84D9-12CB3EDD9F46}"/>
+              </a:ext>
+            </a:extLst>
+          </p:cNvPr>
+          <p:cNvSpPr>
+            <a:spLocks noGrp="1"/>
+          </p:cNvSpPr>
+          <p:nvPr>
+            <p:ph type="title"/>
+          </p:nvPr>
+        </p:nvSpPr>
+        <p:spPr>
+          <a:xfrm>
+            <a:off x="1141413" y="125537"/>
+            <a:ext cx="9905998" cy="860425"/>
+          </a:xfrm>
+        </p:spPr>
+        <p:txBody>
+          <a:bodyPr/>
+          <a:lstStyle/>
+          <a:p>
+            <a:pPr algn="ctr"/>
+            <a:r>
+              <a:rPr lang="en-US" dirty="0"/>
+              <a:t>What is Reducibility?</a:t>
+            </a:r>
+          </a:p>
+        </p:txBody>
+      </p:sp>
+      <p:sp>
+        <p:nvSpPr>
+          <p:cNvPr id="3" name="Content Placeholder 2">
+            <a:extLst>
+              <a:ext uri="{FF2B5EF4-FFF2-40B4-BE49-F238E27FC236}">
+                <a16:creationId xmlns:a16="http://schemas.microsoft.com/office/drawing/2014/main" id="{14278F5F-F936-6145-9FF8-704886F1A386}"/>
+              </a:ext>
+            </a:extLst>
+          </p:cNvPr>
+          <p:cNvSpPr>
+            <a:spLocks noGrp="1"/>
+          </p:cNvSpPr>
+          <p:nvPr>
+            <p:ph idx="1"/>
+          </p:nvPr>
+        </p:nvSpPr>
+        <p:spPr>
+          <a:xfrm>
+            <a:off x="1141412" y="1559371"/>
+            <a:ext cx="9905999" cy="1089328"/>
+          </a:xfrm>
+          <a:solidFill>
+            <a:schemeClr val="tx1">
+              <a:lumMod val="95000"/>
+            </a:schemeClr>
+          </a:solidFill>
+        </p:spPr>
+        <p:txBody>
+          <a:bodyPr/>
+          <a:lstStyle/>
+          <a:p>
+            <a:pPr marL="0" indent="0">
+              <a:buNone/>
+            </a:pPr>
+            <a:r>
+              <a:rPr lang="en-US" b="1" i="1" u="sng" dirty="0">
+                <a:solidFill>
+                  <a:schemeClr val="bg1"/>
+                </a:solidFill>
+              </a:rPr>
+              <a:t>Reduction</a:t>
+            </a:r>
+            <a:r>
+              <a:rPr lang="en-US" dirty="0">
+                <a:solidFill>
+                  <a:schemeClr val="bg1"/>
+                </a:solidFill>
+              </a:rPr>
+              <a:t>: def…</a:t>
+            </a:r>
+          </a:p>
+        </p:txBody>
+      </p:sp>
+      <p:sp>
+        <p:nvSpPr>
+          <p:cNvPr id="6" name="Content Placeholder 2">
+            <a:extLst>
+              <a:ext uri="{FF2B5EF4-FFF2-40B4-BE49-F238E27FC236}">
+                <a16:creationId xmlns:a16="http://schemas.microsoft.com/office/drawing/2014/main" id="{D1AB4AE0-9143-C34D-B965-4033C921D6B5}"/>
+              </a:ext>
+            </a:extLst>
+          </p:cNvPr>
+          <p:cNvSpPr txBox="1">
+            <a:spLocks/>
+          </p:cNvSpPr>
+          <p:nvPr/>
+        </p:nvSpPr>
+        <p:spPr>
+          <a:xfrm>
+            <a:off x="1141412" y="2888721"/>
+            <a:ext cx="9905999" cy="1437745"/>
+          </a:xfrm>
+          <a:prstGeom prst="rect">
+            <a:avLst/>
+          </a:prstGeom>
+          <a:noFill/>
+        </p:spPr>
+        <p:txBody>
+          <a:bodyPr vert="horz" lIns="91440" tIns="45720" rIns="91440" bIns="45720" rtlCol="0">
+            <a:normAutofit/>
+          </a:bodyPr>
+          <a:lstStyle>
+            <a:lvl1pPr marL="228600" indent="-228600" algn="l" defTabSz="914400" rtl="0" eaLnBrk="1" latinLnBrk="0" hangingPunct="1">
+              <a:lnSpc>
+                <a:spcPct val="120000"/>
+              </a:lnSpc>
+              <a:spcBef>
+                <a:spcPts val="1000"/>
+              </a:spcBef>
+              <a:buSzPct val="125000"/>
+              <a:buFont typeface="Arial" panose="020B0604020202020204" pitchFamily="34" charset="0"/>
+              <a:buChar char="•"/>
+              <a:defRPr sz="2400" kern="1200">
+                <a:solidFill>
+                  <a:schemeClr val="tx1"/>
+                </a:solidFill>
+                <a:latin typeface="+mn-lt"/>
+                <a:ea typeface="+mn-ea"/>
+                <a:cs typeface="+mn-cs"/>
+              </a:defRPr>
+            </a:lvl1pPr>
+            <a:lvl2pPr marL="685800" indent="-228600" algn="l" defTabSz="914400" rtl="0" eaLnBrk="1" latinLnBrk="0" hangingPunct="1">
+              <a:lnSpc>
+                <a:spcPct val="120000"/>
+              </a:lnSpc>
+              <a:spcBef>
+                <a:spcPts val="500"/>
+              </a:spcBef>
+              <a:buSzPct val="125000"/>
+              <a:buFont typeface="Arial" panose="020B0604020202020204" pitchFamily="34" charset="0"/>
+              <a:buChar char="•"/>
+              <a:defRPr sz="2000" kern="1200">
+                <a:solidFill>
+                  <a:schemeClr val="tx1"/>
+                </a:solidFill>
+                <a:latin typeface="+mn-lt"/>
+                <a:ea typeface="+mn-ea"/>
+                <a:cs typeface="+mn-cs"/>
+              </a:defRPr>
+            </a:lvl2pPr>
+            <a:lvl3pPr marL="1143000" indent="-228600" algn="l" defTabSz="914400" rtl="0" eaLnBrk="1" latinLnBrk="0" hangingPunct="1">
+              <a:lnSpc>
+                <a:spcPct val="120000"/>
+              </a:lnSpc>
+              <a:spcBef>
+                <a:spcPts val="500"/>
+              </a:spcBef>
+              <a:buSzPct val="125000"/>
+              <a:buFont typeface="Arial" panose="020B0604020202020204" pitchFamily="34" charset="0"/>
+              <a:buChar char="•"/>
+              <a:defRPr sz="1800" kern="1200">
+                <a:solidFill>
+                  <a:schemeClr val="tx1"/>
+                </a:solidFill>
+                <a:latin typeface="+mn-lt"/>
+                <a:ea typeface="+mn-ea"/>
+                <a:cs typeface="+mn-cs"/>
+              </a:defRPr>
+            </a:lvl3pPr>
+            <a:lvl4pPr marL="1600200" indent="-228600" algn="l" defTabSz="914400" rtl="0" eaLnBrk="1" latinLnBrk="0" hangingPunct="1">
+              <a:lnSpc>
+                <a:spcPct val="120000"/>
+              </a:lnSpc>
+              <a:spcBef>
+                <a:spcPts val="500"/>
+              </a:spcBef>
+              <a:buSzPct val="125000"/>
+              <a:buFont typeface="Arial" panose="020B0604020202020204" pitchFamily="34" charset="0"/>
+              <a:buChar char="•"/>
+              <a:defRPr sz="1600" kern="1200">
+                <a:solidFill>
+                  <a:schemeClr val="tx1"/>
+                </a:solidFill>
+                <a:latin typeface="+mn-lt"/>
+                <a:ea typeface="+mn-ea"/>
+                <a:cs typeface="+mn-cs"/>
+              </a:defRPr>
+            </a:lvl4pPr>
+            <a:lvl5pPr marL="2057400" indent="-228600" algn="l" defTabSz="914400" rtl="0" eaLnBrk="1" latinLnBrk="0" hangingPunct="1">
+              <a:lnSpc>
+                <a:spcPct val="120000"/>
+              </a:lnSpc>
+              <a:spcBef>
+                <a:spcPts val="500"/>
+              </a:spcBef>
+              <a:buSzPct val="125000"/>
+              <a:buFont typeface="Arial" panose="020B0604020202020204" pitchFamily="34" charset="0"/>
+              <a:buChar char="•"/>
+              <a:defRPr sz="1600" kern="1200">
+                <a:solidFill>
+                  <a:schemeClr val="tx1"/>
+                </a:solidFill>
+                <a:latin typeface="+mn-lt"/>
+                <a:ea typeface="+mn-ea"/>
+                <a:cs typeface="+mn-cs"/>
+              </a:defRPr>
+            </a:lvl5pPr>
+            <a:lvl6pPr marL="2514600" indent="-228600" algn="l" defTabSz="914400" rtl="0" eaLnBrk="1" latinLnBrk="0" hangingPunct="1">
+              <a:lnSpc>
+                <a:spcPct val="120000"/>
+              </a:lnSpc>
+              <a:spcBef>
+                <a:spcPts val="500"/>
+              </a:spcBef>
+              <a:buSzPct val="125000"/>
+              <a:buFont typeface="Arial" panose="020B0604020202020204" pitchFamily="34" charset="0"/>
+              <a:buChar char="•"/>
+              <a:defRPr sz="1400" kern="1200">
+                <a:solidFill>
+                  <a:schemeClr val="tx1"/>
+                </a:solidFill>
+                <a:latin typeface="+mn-lt"/>
+                <a:ea typeface="+mn-ea"/>
+                <a:cs typeface="+mn-cs"/>
+              </a:defRPr>
+            </a:lvl6pPr>
+            <a:lvl7pPr marL="2971800" indent="-228600" algn="l" defTabSz="914400" rtl="0" eaLnBrk="1" latinLnBrk="0" hangingPunct="1">
+              <a:lnSpc>
+                <a:spcPct val="120000"/>
+              </a:lnSpc>
+              <a:spcBef>
+                <a:spcPts val="500"/>
+              </a:spcBef>
+              <a:buSzPct val="125000"/>
+              <a:buFont typeface="Arial" panose="020B0604020202020204" pitchFamily="34" charset="0"/>
+              <a:buChar char="•"/>
+              <a:defRPr sz="1400" kern="1200">
+                <a:solidFill>
+                  <a:schemeClr val="tx1"/>
+                </a:solidFill>
+                <a:latin typeface="+mn-lt"/>
+                <a:ea typeface="+mn-ea"/>
+                <a:cs typeface="+mn-cs"/>
+              </a:defRPr>
+            </a:lvl7pPr>
+            <a:lvl8pPr marL="3429000" indent="-228600" algn="l" defTabSz="914400" rtl="0" eaLnBrk="1" latinLnBrk="0" hangingPunct="1">
+              <a:lnSpc>
+                <a:spcPct val="120000"/>
+              </a:lnSpc>
+              <a:spcBef>
+                <a:spcPts val="500"/>
+              </a:spcBef>
+              <a:buSzPct val="125000"/>
+              <a:buFont typeface="Arial" panose="020B0604020202020204" pitchFamily="34" charset="0"/>
+              <a:buChar char="•"/>
+              <a:defRPr sz="1400" kern="1200">
+                <a:solidFill>
+                  <a:schemeClr val="tx1"/>
+                </a:solidFill>
+                <a:latin typeface="+mn-lt"/>
+                <a:ea typeface="+mn-ea"/>
+                <a:cs typeface="+mn-cs"/>
+              </a:defRPr>
+            </a:lvl8pPr>
+            <a:lvl9pPr marL="3886200" indent="-228600" algn="l" defTabSz="914400" rtl="0" eaLnBrk="1" latinLnBrk="0" hangingPunct="1">
+              <a:lnSpc>
+                <a:spcPct val="120000"/>
+              </a:lnSpc>
+              <a:spcBef>
+                <a:spcPts val="500"/>
+              </a:spcBef>
+              <a:buSzPct val="125000"/>
+              <a:buFont typeface="Arial" panose="020B0604020202020204" pitchFamily="34" charset="0"/>
+              <a:buChar char="•"/>
+              <a:defRPr sz="1400" kern="1200">
+                <a:solidFill>
+                  <a:schemeClr val="tx1"/>
+                </a:solidFill>
+                <a:latin typeface="+mn-lt"/>
+                <a:ea typeface="+mn-ea"/>
+                <a:cs typeface="+mn-cs"/>
+              </a:defRPr>
+            </a:lvl9pPr>
+          </a:lstStyle>
+          <a:p>
+            <a:pPr marL="0" indent="0">
+              <a:buFont typeface="Arial" panose="020B0604020202020204" pitchFamily="34" charset="0"/>
+              <a:buNone/>
+            </a:pPr>
+            <a:r>
+              <a:rPr lang="en-US" dirty="0">
+                <a:solidFill>
+                  <a:schemeClr val="tx1">
+                    <a:lumMod val="95000"/>
+                  </a:schemeClr>
+                </a:solidFill>
+              </a:rPr>
+              <a:t>Many examples in real life. Getting to Paris reduces to buying a plane ticket. Solving a system of linear equations reduces to inverting a matrix, etc.</a:t>
+            </a:r>
+          </a:p>
+        </p:txBody>
+      </p:sp>
+    </p:spTree>
+    <p:extLst>
+      <p:ext uri="{BB962C8B-B14F-4D97-AF65-F5344CB8AC3E}">
+        <p14:creationId xmlns:p14="http://schemas.microsoft.com/office/powerpoint/2010/main" val="1453646816"/>
+      </p:ext>
+    </p:extLst>
+  </p:cSld>
+  <p:clrMapOvr>
+    <a:masterClrMapping/>
+  </p:clrMapOvr>
+</p:sld>
+</file>
+
+<file path=ppt/slides/slide18.xml><?xml version="1.0" encoding="utf-8"?>
+<p:sld xmlns:a="http://schemas.openxmlformats.org/drawingml/2006/main" xmlns:r="http://schemas.openxmlformats.org/officeDocument/2006/relationships" xmlns:p="http://schemas.openxmlformats.org/presentationml/2006/main">
+  <p:cSld>
+    <p:spTree>
+      <p:nvGrpSpPr>
+        <p:cNvPr id="1" name=""/>
+        <p:cNvGrpSpPr/>
+        <p:nvPr/>
+      </p:nvGrpSpPr>
+      <p:grpSpPr>
+        <a:xfrm>
+          <a:off x="0" y="0"/>
+          <a:ext cx="0" cy="0"/>
+          <a:chOff x="0" y="0"/>
+          <a:chExt cx="0" cy="0"/>
+        </a:xfrm>
+      </p:grpSpPr>
+      <p:sp>
+        <p:nvSpPr>
+          <p:cNvPr id="2" name="Title 1">
+            <a:extLst>
+              <a:ext uri="{FF2B5EF4-FFF2-40B4-BE49-F238E27FC236}">
+                <a16:creationId xmlns:a16="http://schemas.microsoft.com/office/drawing/2014/main" id="{D63C04CD-2329-4D47-84D9-12CB3EDD9F46}"/>
+              </a:ext>
+            </a:extLst>
+          </p:cNvPr>
+          <p:cNvSpPr>
+            <a:spLocks noGrp="1"/>
+          </p:cNvSpPr>
+          <p:nvPr>
+            <p:ph type="title"/>
+          </p:nvPr>
+        </p:nvSpPr>
+        <p:spPr>
+          <a:xfrm>
+            <a:off x="1141413" y="125537"/>
+            <a:ext cx="9905998" cy="860425"/>
+          </a:xfrm>
+        </p:spPr>
+        <p:txBody>
+          <a:bodyPr/>
+          <a:lstStyle/>
+          <a:p>
+            <a:pPr algn="ctr"/>
+            <a:r>
+              <a:rPr lang="en-US" dirty="0"/>
+              <a:t>Reduction Process</a:t>
+            </a:r>
+          </a:p>
+        </p:txBody>
+      </p:sp>
+      <p:sp>
+        <p:nvSpPr>
+          <p:cNvPr id="3" name="Content Placeholder 2">
+            <a:extLst>
+              <a:ext uri="{FF2B5EF4-FFF2-40B4-BE49-F238E27FC236}">
+                <a16:creationId xmlns:a16="http://schemas.microsoft.com/office/drawing/2014/main" id="{14278F5F-F936-6145-9FF8-704886F1A386}"/>
+              </a:ext>
+            </a:extLst>
+          </p:cNvPr>
+          <p:cNvSpPr>
+            <a:spLocks noGrp="1"/>
+          </p:cNvSpPr>
+          <p:nvPr>
+            <p:ph idx="1"/>
+          </p:nvPr>
+        </p:nvSpPr>
+        <p:spPr>
+          <a:xfrm>
+            <a:off x="1141412" y="1559371"/>
+            <a:ext cx="9905999" cy="1089328"/>
+          </a:xfrm>
+          <a:solidFill>
+            <a:schemeClr val="tx1">
+              <a:lumMod val="95000"/>
+            </a:schemeClr>
+          </a:solidFill>
+        </p:spPr>
+        <p:txBody>
+          <a:bodyPr/>
+          <a:lstStyle/>
+          <a:p>
+            <a:pPr marL="0" indent="0">
+              <a:buNone/>
+            </a:pPr>
+            <a:r>
+              <a:rPr lang="en-US" b="1" i="1" u="sng" dirty="0">
+                <a:solidFill>
+                  <a:schemeClr val="bg1"/>
+                </a:solidFill>
+              </a:rPr>
+              <a:t>Reduction</a:t>
+            </a:r>
+            <a:r>
+              <a:rPr lang="en-US" dirty="0">
+                <a:solidFill>
+                  <a:schemeClr val="bg1"/>
+                </a:solidFill>
+              </a:rPr>
+              <a:t>: Problem A and B. Reduction shows a conversion from A to B</a:t>
+            </a:r>
+          </a:p>
+        </p:txBody>
+      </p:sp>
+      <p:sp>
+        <p:nvSpPr>
+          <p:cNvPr id="6" name="Content Placeholder 2">
+            <a:extLst>
+              <a:ext uri="{FF2B5EF4-FFF2-40B4-BE49-F238E27FC236}">
+                <a16:creationId xmlns:a16="http://schemas.microsoft.com/office/drawing/2014/main" id="{D1AB4AE0-9143-C34D-B965-4033C921D6B5}"/>
+              </a:ext>
+            </a:extLst>
+          </p:cNvPr>
+          <p:cNvSpPr txBox="1">
+            <a:spLocks/>
+          </p:cNvSpPr>
+          <p:nvPr/>
+        </p:nvSpPr>
+        <p:spPr>
+          <a:xfrm>
+            <a:off x="1141412" y="2888721"/>
+            <a:ext cx="9905999" cy="1437745"/>
+          </a:xfrm>
+          <a:prstGeom prst="rect">
+            <a:avLst/>
+          </a:prstGeom>
+          <a:noFill/>
+        </p:spPr>
+        <p:txBody>
+          <a:bodyPr vert="horz" lIns="91440" tIns="45720" rIns="91440" bIns="45720" rtlCol="0">
+            <a:normAutofit/>
+          </a:bodyPr>
+          <a:lstStyle>
+            <a:lvl1pPr marL="228600" indent="-228600" algn="l" defTabSz="914400" rtl="0" eaLnBrk="1" latinLnBrk="0" hangingPunct="1">
+              <a:lnSpc>
+                <a:spcPct val="120000"/>
+              </a:lnSpc>
+              <a:spcBef>
+                <a:spcPts val="1000"/>
+              </a:spcBef>
+              <a:buSzPct val="125000"/>
+              <a:buFont typeface="Arial" panose="020B0604020202020204" pitchFamily="34" charset="0"/>
+              <a:buChar char="•"/>
+              <a:defRPr sz="2400" kern="1200">
+                <a:solidFill>
+                  <a:schemeClr val="tx1"/>
+                </a:solidFill>
+                <a:latin typeface="+mn-lt"/>
+                <a:ea typeface="+mn-ea"/>
+                <a:cs typeface="+mn-cs"/>
+              </a:defRPr>
+            </a:lvl1pPr>
+            <a:lvl2pPr marL="685800" indent="-228600" algn="l" defTabSz="914400" rtl="0" eaLnBrk="1" latinLnBrk="0" hangingPunct="1">
+              <a:lnSpc>
+                <a:spcPct val="120000"/>
+              </a:lnSpc>
+              <a:spcBef>
+                <a:spcPts val="500"/>
+              </a:spcBef>
+              <a:buSzPct val="125000"/>
+              <a:buFont typeface="Arial" panose="020B0604020202020204" pitchFamily="34" charset="0"/>
+              <a:buChar char="•"/>
+              <a:defRPr sz="2000" kern="1200">
+                <a:solidFill>
+                  <a:schemeClr val="tx1"/>
+                </a:solidFill>
+                <a:latin typeface="+mn-lt"/>
+                <a:ea typeface="+mn-ea"/>
+                <a:cs typeface="+mn-cs"/>
+              </a:defRPr>
+            </a:lvl2pPr>
+            <a:lvl3pPr marL="1143000" indent="-228600" algn="l" defTabSz="914400" rtl="0" eaLnBrk="1" latinLnBrk="0" hangingPunct="1">
+              <a:lnSpc>
+                <a:spcPct val="120000"/>
+              </a:lnSpc>
+              <a:spcBef>
+                <a:spcPts val="500"/>
+              </a:spcBef>
+              <a:buSzPct val="125000"/>
+              <a:buFont typeface="Arial" panose="020B0604020202020204" pitchFamily="34" charset="0"/>
+              <a:buChar char="•"/>
+              <a:defRPr sz="1800" kern="1200">
+                <a:solidFill>
+                  <a:schemeClr val="tx1"/>
+                </a:solidFill>
+                <a:latin typeface="+mn-lt"/>
+                <a:ea typeface="+mn-ea"/>
+                <a:cs typeface="+mn-cs"/>
+              </a:defRPr>
+            </a:lvl3pPr>
+            <a:lvl4pPr marL="1600200" indent="-228600" algn="l" defTabSz="914400" rtl="0" eaLnBrk="1" latinLnBrk="0" hangingPunct="1">
+              <a:lnSpc>
+                <a:spcPct val="120000"/>
+              </a:lnSpc>
+              <a:spcBef>
+                <a:spcPts val="500"/>
+              </a:spcBef>
+              <a:buSzPct val="125000"/>
+              <a:buFont typeface="Arial" panose="020B0604020202020204" pitchFamily="34" charset="0"/>
+              <a:buChar char="•"/>
+              <a:defRPr sz="1600" kern="1200">
+                <a:solidFill>
+                  <a:schemeClr val="tx1"/>
+                </a:solidFill>
+                <a:latin typeface="+mn-lt"/>
+                <a:ea typeface="+mn-ea"/>
+                <a:cs typeface="+mn-cs"/>
+              </a:defRPr>
+            </a:lvl4pPr>
+            <a:lvl5pPr marL="2057400" indent="-228600" algn="l" defTabSz="914400" rtl="0" eaLnBrk="1" latinLnBrk="0" hangingPunct="1">
+              <a:lnSpc>
+                <a:spcPct val="120000"/>
+              </a:lnSpc>
+              <a:spcBef>
+                <a:spcPts val="500"/>
+              </a:spcBef>
+              <a:buSzPct val="125000"/>
+              <a:buFont typeface="Arial" panose="020B0604020202020204" pitchFamily="34" charset="0"/>
+              <a:buChar char="•"/>
+              <a:defRPr sz="1600" kern="1200">
+                <a:solidFill>
+                  <a:schemeClr val="tx1"/>
+                </a:solidFill>
+                <a:latin typeface="+mn-lt"/>
+                <a:ea typeface="+mn-ea"/>
+                <a:cs typeface="+mn-cs"/>
+              </a:defRPr>
+            </a:lvl5pPr>
+            <a:lvl6pPr marL="2514600" indent="-228600" algn="l" defTabSz="914400" rtl="0" eaLnBrk="1" latinLnBrk="0" hangingPunct="1">
+              <a:lnSpc>
+                <a:spcPct val="120000"/>
+              </a:lnSpc>
+              <a:spcBef>
+                <a:spcPts val="500"/>
+              </a:spcBef>
+              <a:buSzPct val="125000"/>
+              <a:buFont typeface="Arial" panose="020B0604020202020204" pitchFamily="34" charset="0"/>
+              <a:buChar char="•"/>
+              <a:defRPr sz="1400" kern="1200">
+                <a:solidFill>
+                  <a:schemeClr val="tx1"/>
+                </a:solidFill>
+                <a:latin typeface="+mn-lt"/>
+                <a:ea typeface="+mn-ea"/>
+                <a:cs typeface="+mn-cs"/>
+              </a:defRPr>
+            </a:lvl6pPr>
+            <a:lvl7pPr marL="2971800" indent="-228600" algn="l" defTabSz="914400" rtl="0" eaLnBrk="1" latinLnBrk="0" hangingPunct="1">
+              <a:lnSpc>
+                <a:spcPct val="120000"/>
+              </a:lnSpc>
+              <a:spcBef>
+                <a:spcPts val="500"/>
+              </a:spcBef>
+              <a:buSzPct val="125000"/>
+              <a:buFont typeface="Arial" panose="020B0604020202020204" pitchFamily="34" charset="0"/>
+              <a:buChar char="•"/>
+              <a:defRPr sz="1400" kern="1200">
+                <a:solidFill>
+                  <a:schemeClr val="tx1"/>
+                </a:solidFill>
+                <a:latin typeface="+mn-lt"/>
+                <a:ea typeface="+mn-ea"/>
+                <a:cs typeface="+mn-cs"/>
+              </a:defRPr>
+            </a:lvl7pPr>
+            <a:lvl8pPr marL="3429000" indent="-228600" algn="l" defTabSz="914400" rtl="0" eaLnBrk="1" latinLnBrk="0" hangingPunct="1">
+              <a:lnSpc>
+                <a:spcPct val="120000"/>
+              </a:lnSpc>
+              <a:spcBef>
+                <a:spcPts val="500"/>
+              </a:spcBef>
+              <a:buSzPct val="125000"/>
+              <a:buFont typeface="Arial" panose="020B0604020202020204" pitchFamily="34" charset="0"/>
+              <a:buChar char="•"/>
+              <a:defRPr sz="1400" kern="1200">
+                <a:solidFill>
+                  <a:schemeClr val="tx1"/>
+                </a:solidFill>
+                <a:latin typeface="+mn-lt"/>
+                <a:ea typeface="+mn-ea"/>
+                <a:cs typeface="+mn-cs"/>
+              </a:defRPr>
+            </a:lvl8pPr>
+            <a:lvl9pPr marL="3886200" indent="-228600" algn="l" defTabSz="914400" rtl="0" eaLnBrk="1" latinLnBrk="0" hangingPunct="1">
+              <a:lnSpc>
+                <a:spcPct val="120000"/>
+              </a:lnSpc>
+              <a:spcBef>
+                <a:spcPts val="500"/>
+              </a:spcBef>
+              <a:buSzPct val="125000"/>
+              <a:buFont typeface="Arial" panose="020B0604020202020204" pitchFamily="34" charset="0"/>
+              <a:buChar char="•"/>
+              <a:defRPr sz="1400" kern="1200">
+                <a:solidFill>
+                  <a:schemeClr val="tx1"/>
+                </a:solidFill>
+                <a:latin typeface="+mn-lt"/>
+                <a:ea typeface="+mn-ea"/>
+                <a:cs typeface="+mn-cs"/>
+              </a:defRPr>
+            </a:lvl9pPr>
+          </a:lstStyle>
+          <a:p>
+            <a:pPr marL="0" indent="0">
+              <a:buFont typeface="Arial" panose="020B0604020202020204" pitchFamily="34" charset="0"/>
+              <a:buNone/>
+            </a:pPr>
+            <a:r>
+              <a:rPr lang="en-US" dirty="0">
+                <a:solidFill>
+                  <a:schemeClr val="tx1">
+                    <a:lumMod val="95000"/>
+                  </a:schemeClr>
+                </a:solidFill>
+              </a:rPr>
+              <a:t>If B is decidable, then is A decidable?</a:t>
+            </a:r>
+          </a:p>
+        </p:txBody>
+      </p:sp>
+    </p:spTree>
+    <p:extLst>
+      <p:ext uri="{BB962C8B-B14F-4D97-AF65-F5344CB8AC3E}">
+        <p14:creationId xmlns:p14="http://schemas.microsoft.com/office/powerpoint/2010/main" val="2569741702"/>
+      </p:ext>
+    </p:extLst>
+  </p:cSld>
+  <p:clrMapOvr>
+    <a:masterClrMapping/>
+  </p:clrMapOvr>
+</p:sld>
+</file>
+
+<file path=ppt/slides/slide19.xml><?xml version="1.0" encoding="utf-8"?>
+<p:sld xmlns:a="http://schemas.openxmlformats.org/drawingml/2006/main" xmlns:r="http://schemas.openxmlformats.org/officeDocument/2006/relationships" xmlns:p="http://schemas.openxmlformats.org/presentationml/2006/main">
+  <p:cSld>
+    <p:spTree>
+      <p:nvGrpSpPr>
+        <p:cNvPr id="1" name=""/>
+        <p:cNvGrpSpPr/>
+        <p:nvPr/>
+      </p:nvGrpSpPr>
+      <p:grpSpPr>
+        <a:xfrm>
+          <a:off x="0" y="0"/>
+          <a:ext cx="0" cy="0"/>
+          <a:chOff x="0" y="0"/>
+          <a:chExt cx="0" cy="0"/>
+        </a:xfrm>
+      </p:grpSpPr>
+      <p:sp>
+        <p:nvSpPr>
+          <p:cNvPr id="2" name="Title 1">
+            <a:extLst>
+              <a:ext uri="{FF2B5EF4-FFF2-40B4-BE49-F238E27FC236}">
+                <a16:creationId xmlns:a16="http://schemas.microsoft.com/office/drawing/2014/main" id="{D63C04CD-2329-4D47-84D9-12CB3EDD9F46}"/>
+              </a:ext>
+            </a:extLst>
+          </p:cNvPr>
+          <p:cNvSpPr>
+            <a:spLocks noGrp="1"/>
+          </p:cNvSpPr>
+          <p:nvPr>
+            <p:ph type="title"/>
+          </p:nvPr>
+        </p:nvSpPr>
+        <p:spPr>
+          <a:xfrm>
+            <a:off x="1141413" y="125537"/>
+            <a:ext cx="9905998" cy="860425"/>
+          </a:xfrm>
+        </p:spPr>
+        <p:txBody>
+          <a:bodyPr/>
+          <a:lstStyle/>
+          <a:p>
+            <a:pPr algn="ctr"/>
+            <a:r>
+              <a:rPr lang="en-US" dirty="0"/>
+              <a:t>The Halting Problem</a:t>
+            </a:r>
+          </a:p>
+        </p:txBody>
+      </p:sp>
+      <p:sp>
+        <p:nvSpPr>
+          <p:cNvPr id="3" name="Content Placeholder 2">
+            <a:extLst>
+              <a:ext uri="{FF2B5EF4-FFF2-40B4-BE49-F238E27FC236}">
+                <a16:creationId xmlns:a16="http://schemas.microsoft.com/office/drawing/2014/main" id="{14278F5F-F936-6145-9FF8-704886F1A386}"/>
+              </a:ext>
+            </a:extLst>
+          </p:cNvPr>
+          <p:cNvSpPr>
+            <a:spLocks noGrp="1"/>
+          </p:cNvSpPr>
+          <p:nvPr>
+            <p:ph idx="1"/>
+          </p:nvPr>
+        </p:nvSpPr>
+        <p:spPr>
+          <a:xfrm>
+            <a:off x="1141412" y="1559371"/>
+            <a:ext cx="9905999" cy="1089328"/>
+          </a:xfrm>
+          <a:solidFill>
+            <a:schemeClr val="tx1">
+              <a:lumMod val="95000"/>
+            </a:schemeClr>
+          </a:solidFill>
+        </p:spPr>
+        <p:txBody>
+          <a:bodyPr/>
+          <a:lstStyle/>
+          <a:p>
+            <a:pPr marL="0" indent="0">
+              <a:buNone/>
+            </a:pPr>
+            <a:r>
+              <a:rPr lang="en-US" b="1" i="1" u="sng" dirty="0">
+                <a:solidFill>
+                  <a:schemeClr val="bg1"/>
+                </a:solidFill>
+              </a:rPr>
+              <a:t>Halting Problem</a:t>
+            </a:r>
+            <a:r>
+              <a:rPr lang="en-US" dirty="0">
+                <a:solidFill>
+                  <a:schemeClr val="bg1"/>
+                </a:solidFill>
+              </a:rPr>
+              <a:t>: blah blah</a:t>
+            </a:r>
+          </a:p>
+        </p:txBody>
+      </p:sp>
+      <p:sp>
+        <p:nvSpPr>
+          <p:cNvPr id="6" name="Content Placeholder 2">
+            <a:extLst>
+              <a:ext uri="{FF2B5EF4-FFF2-40B4-BE49-F238E27FC236}">
+                <a16:creationId xmlns:a16="http://schemas.microsoft.com/office/drawing/2014/main" id="{D1AB4AE0-9143-C34D-B965-4033C921D6B5}"/>
+              </a:ext>
+            </a:extLst>
+          </p:cNvPr>
+          <p:cNvSpPr txBox="1">
+            <a:spLocks/>
+          </p:cNvSpPr>
+          <p:nvPr/>
+        </p:nvSpPr>
+        <p:spPr>
+          <a:xfrm>
+            <a:off x="1141412" y="2888721"/>
+            <a:ext cx="9905999" cy="1437745"/>
+          </a:xfrm>
+          <a:prstGeom prst="rect">
+            <a:avLst/>
+          </a:prstGeom>
+          <a:noFill/>
+        </p:spPr>
+        <p:txBody>
+          <a:bodyPr vert="horz" lIns="91440" tIns="45720" rIns="91440" bIns="45720" rtlCol="0">
+            <a:normAutofit/>
+          </a:bodyPr>
+          <a:lstStyle>
+            <a:lvl1pPr marL="228600" indent="-228600" algn="l" defTabSz="914400" rtl="0" eaLnBrk="1" latinLnBrk="0" hangingPunct="1">
+              <a:lnSpc>
+                <a:spcPct val="120000"/>
+              </a:lnSpc>
+              <a:spcBef>
+                <a:spcPts val="1000"/>
+              </a:spcBef>
+              <a:buSzPct val="125000"/>
+              <a:buFont typeface="Arial" panose="020B0604020202020204" pitchFamily="34" charset="0"/>
+              <a:buChar char="•"/>
+              <a:defRPr sz="2400" kern="1200">
+                <a:solidFill>
+                  <a:schemeClr val="tx1"/>
+                </a:solidFill>
+                <a:latin typeface="+mn-lt"/>
+                <a:ea typeface="+mn-ea"/>
+                <a:cs typeface="+mn-cs"/>
+              </a:defRPr>
+            </a:lvl1pPr>
+            <a:lvl2pPr marL="685800" indent="-228600" algn="l" defTabSz="914400" rtl="0" eaLnBrk="1" latinLnBrk="0" hangingPunct="1">
+              <a:lnSpc>
+                <a:spcPct val="120000"/>
+              </a:lnSpc>
+              <a:spcBef>
+                <a:spcPts val="500"/>
+              </a:spcBef>
+              <a:buSzPct val="125000"/>
+              <a:buFont typeface="Arial" panose="020B0604020202020204" pitchFamily="34" charset="0"/>
+              <a:buChar char="•"/>
+              <a:defRPr sz="2000" kern="1200">
+                <a:solidFill>
+                  <a:schemeClr val="tx1"/>
+                </a:solidFill>
+                <a:latin typeface="+mn-lt"/>
+                <a:ea typeface="+mn-ea"/>
+                <a:cs typeface="+mn-cs"/>
+              </a:defRPr>
+            </a:lvl2pPr>
+            <a:lvl3pPr marL="1143000" indent="-228600" algn="l" defTabSz="914400" rtl="0" eaLnBrk="1" latinLnBrk="0" hangingPunct="1">
+              <a:lnSpc>
+                <a:spcPct val="120000"/>
+              </a:lnSpc>
+              <a:spcBef>
+                <a:spcPts val="500"/>
+              </a:spcBef>
+              <a:buSzPct val="125000"/>
+              <a:buFont typeface="Arial" panose="020B0604020202020204" pitchFamily="34" charset="0"/>
+              <a:buChar char="•"/>
+              <a:defRPr sz="1800" kern="1200">
+                <a:solidFill>
+                  <a:schemeClr val="tx1"/>
+                </a:solidFill>
+                <a:latin typeface="+mn-lt"/>
+                <a:ea typeface="+mn-ea"/>
+                <a:cs typeface="+mn-cs"/>
+              </a:defRPr>
+            </a:lvl3pPr>
+            <a:lvl4pPr marL="1600200" indent="-228600" algn="l" defTabSz="914400" rtl="0" eaLnBrk="1" latinLnBrk="0" hangingPunct="1">
+              <a:lnSpc>
+                <a:spcPct val="120000"/>
+              </a:lnSpc>
+              <a:spcBef>
+                <a:spcPts val="500"/>
+              </a:spcBef>
+              <a:buSzPct val="125000"/>
+              <a:buFont typeface="Arial" panose="020B0604020202020204" pitchFamily="34" charset="0"/>
+              <a:buChar char="•"/>
+              <a:defRPr sz="1600" kern="1200">
+                <a:solidFill>
+                  <a:schemeClr val="tx1"/>
+                </a:solidFill>
+                <a:latin typeface="+mn-lt"/>
+                <a:ea typeface="+mn-ea"/>
+                <a:cs typeface="+mn-cs"/>
+              </a:defRPr>
+            </a:lvl4pPr>
+            <a:lvl5pPr marL="2057400" indent="-228600" algn="l" defTabSz="914400" rtl="0" eaLnBrk="1" latinLnBrk="0" hangingPunct="1">
+              <a:lnSpc>
+                <a:spcPct val="120000"/>
+              </a:lnSpc>
+              <a:spcBef>
+                <a:spcPts val="500"/>
+              </a:spcBef>
+              <a:buSzPct val="125000"/>
+              <a:buFont typeface="Arial" panose="020B0604020202020204" pitchFamily="34" charset="0"/>
+              <a:buChar char="•"/>
+              <a:defRPr sz="1600" kern="1200">
+                <a:solidFill>
+                  <a:schemeClr val="tx1"/>
+                </a:solidFill>
+                <a:latin typeface="+mn-lt"/>
+                <a:ea typeface="+mn-ea"/>
+                <a:cs typeface="+mn-cs"/>
+              </a:defRPr>
+            </a:lvl5pPr>
+            <a:lvl6pPr marL="2514600" indent="-228600" algn="l" defTabSz="914400" rtl="0" eaLnBrk="1" latinLnBrk="0" hangingPunct="1">
+              <a:lnSpc>
+                <a:spcPct val="120000"/>
+              </a:lnSpc>
+              <a:spcBef>
+                <a:spcPts val="500"/>
+              </a:spcBef>
+              <a:buSzPct val="125000"/>
+              <a:buFont typeface="Arial" panose="020B0604020202020204" pitchFamily="34" charset="0"/>
+              <a:buChar char="•"/>
+              <a:defRPr sz="1400" kern="1200">
+                <a:solidFill>
+                  <a:schemeClr val="tx1"/>
+                </a:solidFill>
+                <a:latin typeface="+mn-lt"/>
+                <a:ea typeface="+mn-ea"/>
+                <a:cs typeface="+mn-cs"/>
+              </a:defRPr>
+            </a:lvl6pPr>
+            <a:lvl7pPr marL="2971800" indent="-228600" algn="l" defTabSz="914400" rtl="0" eaLnBrk="1" latinLnBrk="0" hangingPunct="1">
+              <a:lnSpc>
+                <a:spcPct val="120000"/>
+              </a:lnSpc>
+              <a:spcBef>
+                <a:spcPts val="500"/>
+              </a:spcBef>
+              <a:buSzPct val="125000"/>
+              <a:buFont typeface="Arial" panose="020B0604020202020204" pitchFamily="34" charset="0"/>
+              <a:buChar char="•"/>
+              <a:defRPr sz="1400" kern="1200">
+                <a:solidFill>
+                  <a:schemeClr val="tx1"/>
+                </a:solidFill>
+                <a:latin typeface="+mn-lt"/>
+                <a:ea typeface="+mn-ea"/>
+                <a:cs typeface="+mn-cs"/>
+              </a:defRPr>
+            </a:lvl7pPr>
+            <a:lvl8pPr marL="3429000" indent="-228600" algn="l" defTabSz="914400" rtl="0" eaLnBrk="1" latinLnBrk="0" hangingPunct="1">
+              <a:lnSpc>
+                <a:spcPct val="120000"/>
+              </a:lnSpc>
+              <a:spcBef>
+                <a:spcPts val="500"/>
+              </a:spcBef>
+              <a:buSzPct val="125000"/>
+              <a:buFont typeface="Arial" panose="020B0604020202020204" pitchFamily="34" charset="0"/>
+              <a:buChar char="•"/>
+              <a:defRPr sz="1400" kern="1200">
+                <a:solidFill>
+                  <a:schemeClr val="tx1"/>
+                </a:solidFill>
+                <a:latin typeface="+mn-lt"/>
+                <a:ea typeface="+mn-ea"/>
+                <a:cs typeface="+mn-cs"/>
+              </a:defRPr>
+            </a:lvl8pPr>
+            <a:lvl9pPr marL="3886200" indent="-228600" algn="l" defTabSz="914400" rtl="0" eaLnBrk="1" latinLnBrk="0" hangingPunct="1">
+              <a:lnSpc>
+                <a:spcPct val="120000"/>
+              </a:lnSpc>
+              <a:spcBef>
+                <a:spcPts val="500"/>
+              </a:spcBef>
+              <a:buSzPct val="125000"/>
+              <a:buFont typeface="Arial" panose="020B0604020202020204" pitchFamily="34" charset="0"/>
+              <a:buChar char="•"/>
+              <a:defRPr sz="1400" kern="1200">
+                <a:solidFill>
+                  <a:schemeClr val="tx1"/>
+                </a:solidFill>
+                <a:latin typeface="+mn-lt"/>
+                <a:ea typeface="+mn-ea"/>
+                <a:cs typeface="+mn-cs"/>
+              </a:defRPr>
+            </a:lvl9pPr>
+          </a:lstStyle>
+          <a:p>
+            <a:pPr marL="0" indent="0">
+              <a:buFont typeface="Arial" panose="020B0604020202020204" pitchFamily="34" charset="0"/>
+              <a:buNone/>
+            </a:pPr>
+            <a:r>
+              <a:rPr lang="en-US" dirty="0">
+                <a:solidFill>
+                  <a:schemeClr val="tx1">
+                    <a:lumMod val="95000"/>
+                  </a:schemeClr>
+                </a:solidFill>
+              </a:rPr>
+              <a:t>We can show halting is undecidable easily by using a reduction proof.</a:t>
+            </a:r>
+          </a:p>
+        </p:txBody>
+      </p:sp>
+    </p:spTree>
+    <p:extLst>
+      <p:ext uri="{BB962C8B-B14F-4D97-AF65-F5344CB8AC3E}">
+        <p14:creationId xmlns:p14="http://schemas.microsoft.com/office/powerpoint/2010/main" val="3350198607"/>
+      </p:ext>
+    </p:extLst>
+  </p:cSld>
+  <p:clrMapOvr>
+    <a:masterClrMapping/>
+  </p:clrMapOvr>
+</p:sld>
+</file>
+
 <file path=ppt/slides/slide2.xml><?xml version="1.0" encoding="utf-8"?>
 <p:sld xmlns:a="http://schemas.openxmlformats.org/drawingml/2006/main" xmlns:r="http://schemas.openxmlformats.org/officeDocument/2006/relationships" xmlns:p="http://schemas.openxmlformats.org/presentationml/2006/main">
   <p:cSld>
@@ -16435,6 +17509,1059 @@
     <p:extLst>
       <p:ext uri="{BB962C8B-B14F-4D97-AF65-F5344CB8AC3E}">
         <p14:creationId xmlns:p14="http://schemas.microsoft.com/office/powerpoint/2010/main" val="2987249196"/>
+      </p:ext>
+    </p:extLst>
+  </p:cSld>
+  <p:clrMapOvr>
+    <a:masterClrMapping/>
+  </p:clrMapOvr>
+</p:sld>
+</file>
+
+<file path=ppt/slides/slide20.xml><?xml version="1.0" encoding="utf-8"?>
+<p:sld xmlns:a="http://schemas.openxmlformats.org/drawingml/2006/main" xmlns:r="http://schemas.openxmlformats.org/officeDocument/2006/relationships" xmlns:p="http://schemas.openxmlformats.org/presentationml/2006/main">
+  <p:cSld>
+    <p:spTree>
+      <p:nvGrpSpPr>
+        <p:cNvPr id="1" name=""/>
+        <p:cNvGrpSpPr/>
+        <p:nvPr/>
+      </p:nvGrpSpPr>
+      <p:grpSpPr>
+        <a:xfrm>
+          <a:off x="0" y="0"/>
+          <a:ext cx="0" cy="0"/>
+          <a:chOff x="0" y="0"/>
+          <a:chExt cx="0" cy="0"/>
+        </a:xfrm>
+      </p:grpSpPr>
+      <p:sp>
+        <p:nvSpPr>
+          <p:cNvPr id="2" name="Title 1">
+            <a:extLst>
+              <a:ext uri="{FF2B5EF4-FFF2-40B4-BE49-F238E27FC236}">
+                <a16:creationId xmlns:a16="http://schemas.microsoft.com/office/drawing/2014/main" id="{D63C04CD-2329-4D47-84D9-12CB3EDD9F46}"/>
+              </a:ext>
+            </a:extLst>
+          </p:cNvPr>
+          <p:cNvSpPr>
+            <a:spLocks noGrp="1"/>
+          </p:cNvSpPr>
+          <p:nvPr>
+            <p:ph type="title"/>
+          </p:nvPr>
+        </p:nvSpPr>
+        <p:spPr>
+          <a:xfrm>
+            <a:off x="1141413" y="125537"/>
+            <a:ext cx="9905998" cy="860425"/>
+          </a:xfrm>
+        </p:spPr>
+        <p:txBody>
+          <a:bodyPr/>
+          <a:lstStyle/>
+          <a:p>
+            <a:pPr algn="ctr"/>
+            <a:r>
+              <a:rPr lang="en-US" dirty="0"/>
+              <a:t>TM Emptiness Testing</a:t>
+            </a:r>
+          </a:p>
+        </p:txBody>
+      </p:sp>
+      <p:sp>
+        <p:nvSpPr>
+          <p:cNvPr id="3" name="Content Placeholder 2">
+            <a:extLst>
+              <a:ext uri="{FF2B5EF4-FFF2-40B4-BE49-F238E27FC236}">
+                <a16:creationId xmlns:a16="http://schemas.microsoft.com/office/drawing/2014/main" id="{14278F5F-F936-6145-9FF8-704886F1A386}"/>
+              </a:ext>
+            </a:extLst>
+          </p:cNvPr>
+          <p:cNvSpPr>
+            <a:spLocks noGrp="1"/>
+          </p:cNvSpPr>
+          <p:nvPr>
+            <p:ph idx="1"/>
+          </p:nvPr>
+        </p:nvSpPr>
+        <p:spPr>
+          <a:xfrm>
+            <a:off x="1141412" y="1559371"/>
+            <a:ext cx="9905999" cy="1089328"/>
+          </a:xfrm>
+          <a:solidFill>
+            <a:schemeClr val="tx1">
+              <a:lumMod val="95000"/>
+            </a:schemeClr>
+          </a:solidFill>
+        </p:spPr>
+        <p:txBody>
+          <a:bodyPr/>
+          <a:lstStyle/>
+          <a:p>
+            <a:pPr marL="0" indent="0">
+              <a:buNone/>
+            </a:pPr>
+            <a:r>
+              <a:rPr lang="en-US" b="1" i="1" u="sng" dirty="0">
+                <a:solidFill>
+                  <a:schemeClr val="bg1"/>
+                </a:solidFill>
+              </a:rPr>
+              <a:t>Emptiness Test</a:t>
+            </a:r>
+            <a:r>
+              <a:rPr lang="en-US" dirty="0">
+                <a:solidFill>
+                  <a:schemeClr val="bg1"/>
+                </a:solidFill>
+              </a:rPr>
+              <a:t>: </a:t>
+            </a:r>
+            <a:r>
+              <a:rPr lang="en-US" dirty="0" err="1">
+                <a:solidFill>
+                  <a:schemeClr val="bg1"/>
+                </a:solidFill>
+              </a:rPr>
+              <a:t>Etm</a:t>
+            </a:r>
+            <a:r>
+              <a:rPr lang="en-US" dirty="0">
+                <a:solidFill>
+                  <a:schemeClr val="bg1"/>
+                </a:solidFill>
+              </a:rPr>
+              <a:t> is undecidable</a:t>
+            </a:r>
+          </a:p>
+        </p:txBody>
+      </p:sp>
+      <p:sp>
+        <p:nvSpPr>
+          <p:cNvPr id="6" name="Content Placeholder 2">
+            <a:extLst>
+              <a:ext uri="{FF2B5EF4-FFF2-40B4-BE49-F238E27FC236}">
+                <a16:creationId xmlns:a16="http://schemas.microsoft.com/office/drawing/2014/main" id="{D1AB4AE0-9143-C34D-B965-4033C921D6B5}"/>
+              </a:ext>
+            </a:extLst>
+          </p:cNvPr>
+          <p:cNvSpPr txBox="1">
+            <a:spLocks/>
+          </p:cNvSpPr>
+          <p:nvPr/>
+        </p:nvSpPr>
+        <p:spPr>
+          <a:xfrm>
+            <a:off x="1141412" y="2888721"/>
+            <a:ext cx="9905999" cy="1437745"/>
+          </a:xfrm>
+          <a:prstGeom prst="rect">
+            <a:avLst/>
+          </a:prstGeom>
+          <a:noFill/>
+        </p:spPr>
+        <p:txBody>
+          <a:bodyPr vert="horz" lIns="91440" tIns="45720" rIns="91440" bIns="45720" rtlCol="0">
+            <a:normAutofit/>
+          </a:bodyPr>
+          <a:lstStyle>
+            <a:lvl1pPr marL="228600" indent="-228600" algn="l" defTabSz="914400" rtl="0" eaLnBrk="1" latinLnBrk="0" hangingPunct="1">
+              <a:lnSpc>
+                <a:spcPct val="120000"/>
+              </a:lnSpc>
+              <a:spcBef>
+                <a:spcPts val="1000"/>
+              </a:spcBef>
+              <a:buSzPct val="125000"/>
+              <a:buFont typeface="Arial" panose="020B0604020202020204" pitchFamily="34" charset="0"/>
+              <a:buChar char="•"/>
+              <a:defRPr sz="2400" kern="1200">
+                <a:solidFill>
+                  <a:schemeClr val="tx1"/>
+                </a:solidFill>
+                <a:latin typeface="+mn-lt"/>
+                <a:ea typeface="+mn-ea"/>
+                <a:cs typeface="+mn-cs"/>
+              </a:defRPr>
+            </a:lvl1pPr>
+            <a:lvl2pPr marL="685800" indent="-228600" algn="l" defTabSz="914400" rtl="0" eaLnBrk="1" latinLnBrk="0" hangingPunct="1">
+              <a:lnSpc>
+                <a:spcPct val="120000"/>
+              </a:lnSpc>
+              <a:spcBef>
+                <a:spcPts val="500"/>
+              </a:spcBef>
+              <a:buSzPct val="125000"/>
+              <a:buFont typeface="Arial" panose="020B0604020202020204" pitchFamily="34" charset="0"/>
+              <a:buChar char="•"/>
+              <a:defRPr sz="2000" kern="1200">
+                <a:solidFill>
+                  <a:schemeClr val="tx1"/>
+                </a:solidFill>
+                <a:latin typeface="+mn-lt"/>
+                <a:ea typeface="+mn-ea"/>
+                <a:cs typeface="+mn-cs"/>
+              </a:defRPr>
+            </a:lvl2pPr>
+            <a:lvl3pPr marL="1143000" indent="-228600" algn="l" defTabSz="914400" rtl="0" eaLnBrk="1" latinLnBrk="0" hangingPunct="1">
+              <a:lnSpc>
+                <a:spcPct val="120000"/>
+              </a:lnSpc>
+              <a:spcBef>
+                <a:spcPts val="500"/>
+              </a:spcBef>
+              <a:buSzPct val="125000"/>
+              <a:buFont typeface="Arial" panose="020B0604020202020204" pitchFamily="34" charset="0"/>
+              <a:buChar char="•"/>
+              <a:defRPr sz="1800" kern="1200">
+                <a:solidFill>
+                  <a:schemeClr val="tx1"/>
+                </a:solidFill>
+                <a:latin typeface="+mn-lt"/>
+                <a:ea typeface="+mn-ea"/>
+                <a:cs typeface="+mn-cs"/>
+              </a:defRPr>
+            </a:lvl3pPr>
+            <a:lvl4pPr marL="1600200" indent="-228600" algn="l" defTabSz="914400" rtl="0" eaLnBrk="1" latinLnBrk="0" hangingPunct="1">
+              <a:lnSpc>
+                <a:spcPct val="120000"/>
+              </a:lnSpc>
+              <a:spcBef>
+                <a:spcPts val="500"/>
+              </a:spcBef>
+              <a:buSzPct val="125000"/>
+              <a:buFont typeface="Arial" panose="020B0604020202020204" pitchFamily="34" charset="0"/>
+              <a:buChar char="•"/>
+              <a:defRPr sz="1600" kern="1200">
+                <a:solidFill>
+                  <a:schemeClr val="tx1"/>
+                </a:solidFill>
+                <a:latin typeface="+mn-lt"/>
+                <a:ea typeface="+mn-ea"/>
+                <a:cs typeface="+mn-cs"/>
+              </a:defRPr>
+            </a:lvl4pPr>
+            <a:lvl5pPr marL="2057400" indent="-228600" algn="l" defTabSz="914400" rtl="0" eaLnBrk="1" latinLnBrk="0" hangingPunct="1">
+              <a:lnSpc>
+                <a:spcPct val="120000"/>
+              </a:lnSpc>
+              <a:spcBef>
+                <a:spcPts val="500"/>
+              </a:spcBef>
+              <a:buSzPct val="125000"/>
+              <a:buFont typeface="Arial" panose="020B0604020202020204" pitchFamily="34" charset="0"/>
+              <a:buChar char="•"/>
+              <a:defRPr sz="1600" kern="1200">
+                <a:solidFill>
+                  <a:schemeClr val="tx1"/>
+                </a:solidFill>
+                <a:latin typeface="+mn-lt"/>
+                <a:ea typeface="+mn-ea"/>
+                <a:cs typeface="+mn-cs"/>
+              </a:defRPr>
+            </a:lvl5pPr>
+            <a:lvl6pPr marL="2514600" indent="-228600" algn="l" defTabSz="914400" rtl="0" eaLnBrk="1" latinLnBrk="0" hangingPunct="1">
+              <a:lnSpc>
+                <a:spcPct val="120000"/>
+              </a:lnSpc>
+              <a:spcBef>
+                <a:spcPts val="500"/>
+              </a:spcBef>
+              <a:buSzPct val="125000"/>
+              <a:buFont typeface="Arial" panose="020B0604020202020204" pitchFamily="34" charset="0"/>
+              <a:buChar char="•"/>
+              <a:defRPr sz="1400" kern="1200">
+                <a:solidFill>
+                  <a:schemeClr val="tx1"/>
+                </a:solidFill>
+                <a:latin typeface="+mn-lt"/>
+                <a:ea typeface="+mn-ea"/>
+                <a:cs typeface="+mn-cs"/>
+              </a:defRPr>
+            </a:lvl6pPr>
+            <a:lvl7pPr marL="2971800" indent="-228600" algn="l" defTabSz="914400" rtl="0" eaLnBrk="1" latinLnBrk="0" hangingPunct="1">
+              <a:lnSpc>
+                <a:spcPct val="120000"/>
+              </a:lnSpc>
+              <a:spcBef>
+                <a:spcPts val="500"/>
+              </a:spcBef>
+              <a:buSzPct val="125000"/>
+              <a:buFont typeface="Arial" panose="020B0604020202020204" pitchFamily="34" charset="0"/>
+              <a:buChar char="•"/>
+              <a:defRPr sz="1400" kern="1200">
+                <a:solidFill>
+                  <a:schemeClr val="tx1"/>
+                </a:solidFill>
+                <a:latin typeface="+mn-lt"/>
+                <a:ea typeface="+mn-ea"/>
+                <a:cs typeface="+mn-cs"/>
+              </a:defRPr>
+            </a:lvl7pPr>
+            <a:lvl8pPr marL="3429000" indent="-228600" algn="l" defTabSz="914400" rtl="0" eaLnBrk="1" latinLnBrk="0" hangingPunct="1">
+              <a:lnSpc>
+                <a:spcPct val="120000"/>
+              </a:lnSpc>
+              <a:spcBef>
+                <a:spcPts val="500"/>
+              </a:spcBef>
+              <a:buSzPct val="125000"/>
+              <a:buFont typeface="Arial" panose="020B0604020202020204" pitchFamily="34" charset="0"/>
+              <a:buChar char="•"/>
+              <a:defRPr sz="1400" kern="1200">
+                <a:solidFill>
+                  <a:schemeClr val="tx1"/>
+                </a:solidFill>
+                <a:latin typeface="+mn-lt"/>
+                <a:ea typeface="+mn-ea"/>
+                <a:cs typeface="+mn-cs"/>
+              </a:defRPr>
+            </a:lvl8pPr>
+            <a:lvl9pPr marL="3886200" indent="-228600" algn="l" defTabSz="914400" rtl="0" eaLnBrk="1" latinLnBrk="0" hangingPunct="1">
+              <a:lnSpc>
+                <a:spcPct val="120000"/>
+              </a:lnSpc>
+              <a:spcBef>
+                <a:spcPts val="500"/>
+              </a:spcBef>
+              <a:buSzPct val="125000"/>
+              <a:buFont typeface="Arial" panose="020B0604020202020204" pitchFamily="34" charset="0"/>
+              <a:buChar char="•"/>
+              <a:defRPr sz="1400" kern="1200">
+                <a:solidFill>
+                  <a:schemeClr val="tx1"/>
+                </a:solidFill>
+                <a:latin typeface="+mn-lt"/>
+                <a:ea typeface="+mn-ea"/>
+                <a:cs typeface="+mn-cs"/>
+              </a:defRPr>
+            </a:lvl9pPr>
+          </a:lstStyle>
+          <a:p>
+            <a:pPr marL="0" indent="0">
+              <a:buFont typeface="Arial" panose="020B0604020202020204" pitchFamily="34" charset="0"/>
+              <a:buNone/>
+            </a:pPr>
+            <a:r>
+              <a:rPr lang="en-US" dirty="0">
+                <a:solidFill>
+                  <a:schemeClr val="tx1">
+                    <a:lumMod val="95000"/>
+                  </a:schemeClr>
+                </a:solidFill>
+              </a:rPr>
+              <a:t>Also through reduction</a:t>
+            </a:r>
+          </a:p>
+        </p:txBody>
+      </p:sp>
+    </p:spTree>
+    <p:extLst>
+      <p:ext uri="{BB962C8B-B14F-4D97-AF65-F5344CB8AC3E}">
+        <p14:creationId xmlns:p14="http://schemas.microsoft.com/office/powerpoint/2010/main" val="2888472891"/>
+      </p:ext>
+    </p:extLst>
+  </p:cSld>
+  <p:clrMapOvr>
+    <a:masterClrMapping/>
+  </p:clrMapOvr>
+</p:sld>
+</file>
+
+<file path=ppt/slides/slide21.xml><?xml version="1.0" encoding="utf-8"?>
+<p:sld xmlns:a="http://schemas.openxmlformats.org/drawingml/2006/main" xmlns:r="http://schemas.openxmlformats.org/officeDocument/2006/relationships" xmlns:p="http://schemas.openxmlformats.org/presentationml/2006/main">
+  <p:cSld>
+    <p:spTree>
+      <p:nvGrpSpPr>
+        <p:cNvPr id="1" name=""/>
+        <p:cNvGrpSpPr/>
+        <p:nvPr/>
+      </p:nvGrpSpPr>
+      <p:grpSpPr>
+        <a:xfrm>
+          <a:off x="0" y="0"/>
+          <a:ext cx="0" cy="0"/>
+          <a:chOff x="0" y="0"/>
+          <a:chExt cx="0" cy="0"/>
+        </a:xfrm>
+      </p:grpSpPr>
+      <p:sp>
+        <p:nvSpPr>
+          <p:cNvPr id="2" name="Title 1">
+            <a:extLst>
+              <a:ext uri="{FF2B5EF4-FFF2-40B4-BE49-F238E27FC236}">
+                <a16:creationId xmlns:a16="http://schemas.microsoft.com/office/drawing/2014/main" id="{D63C04CD-2329-4D47-84D9-12CB3EDD9F46}"/>
+              </a:ext>
+            </a:extLst>
+          </p:cNvPr>
+          <p:cNvSpPr>
+            <a:spLocks noGrp="1"/>
+          </p:cNvSpPr>
+          <p:nvPr>
+            <p:ph type="title"/>
+          </p:nvPr>
+        </p:nvSpPr>
+        <p:spPr>
+          <a:xfrm>
+            <a:off x="1141413" y="125537"/>
+            <a:ext cx="9905998" cy="860425"/>
+          </a:xfrm>
+        </p:spPr>
+        <p:txBody>
+          <a:bodyPr/>
+          <a:lstStyle/>
+          <a:p>
+            <a:pPr algn="ctr"/>
+            <a:r>
+              <a:rPr lang="en-US" dirty="0"/>
+              <a:t>Some other Undecidable Problems</a:t>
+            </a:r>
+          </a:p>
+        </p:txBody>
+      </p:sp>
+      <p:sp>
+        <p:nvSpPr>
+          <p:cNvPr id="3" name="Content Placeholder 2">
+            <a:extLst>
+              <a:ext uri="{FF2B5EF4-FFF2-40B4-BE49-F238E27FC236}">
+                <a16:creationId xmlns:a16="http://schemas.microsoft.com/office/drawing/2014/main" id="{14278F5F-F936-6145-9FF8-704886F1A386}"/>
+              </a:ext>
+            </a:extLst>
+          </p:cNvPr>
+          <p:cNvSpPr>
+            <a:spLocks noGrp="1"/>
+          </p:cNvSpPr>
+          <p:nvPr>
+            <p:ph idx="1"/>
+          </p:nvPr>
+        </p:nvSpPr>
+        <p:spPr>
+          <a:xfrm>
+            <a:off x="1141412" y="1559371"/>
+            <a:ext cx="9905999" cy="1089328"/>
+          </a:xfrm>
+          <a:solidFill>
+            <a:schemeClr val="tx1">
+              <a:lumMod val="95000"/>
+            </a:schemeClr>
+          </a:solidFill>
+        </p:spPr>
+        <p:txBody>
+          <a:bodyPr/>
+          <a:lstStyle/>
+          <a:p>
+            <a:pPr marL="0" indent="0">
+              <a:buNone/>
+            </a:pPr>
+            <a:r>
+              <a:rPr lang="en-US" b="1" i="1" u="sng" dirty="0">
+                <a:solidFill>
+                  <a:schemeClr val="bg1"/>
+                </a:solidFill>
+              </a:rPr>
+              <a:t>Examples</a:t>
+            </a:r>
+            <a:endParaRPr lang="en-US" dirty="0">
+              <a:solidFill>
+                <a:schemeClr val="bg1"/>
+              </a:solidFill>
+            </a:endParaRPr>
+          </a:p>
+        </p:txBody>
+      </p:sp>
+      <p:sp>
+        <p:nvSpPr>
+          <p:cNvPr id="6" name="Content Placeholder 2">
+            <a:extLst>
+              <a:ext uri="{FF2B5EF4-FFF2-40B4-BE49-F238E27FC236}">
+                <a16:creationId xmlns:a16="http://schemas.microsoft.com/office/drawing/2014/main" id="{D1AB4AE0-9143-C34D-B965-4033C921D6B5}"/>
+              </a:ext>
+            </a:extLst>
+          </p:cNvPr>
+          <p:cNvSpPr txBox="1">
+            <a:spLocks/>
+          </p:cNvSpPr>
+          <p:nvPr/>
+        </p:nvSpPr>
+        <p:spPr>
+          <a:xfrm>
+            <a:off x="1141412" y="2888721"/>
+            <a:ext cx="9905999" cy="1916192"/>
+          </a:xfrm>
+          <a:prstGeom prst="rect">
+            <a:avLst/>
+          </a:prstGeom>
+          <a:noFill/>
+        </p:spPr>
+        <p:txBody>
+          <a:bodyPr vert="horz" lIns="91440" tIns="45720" rIns="91440" bIns="45720" rtlCol="0">
+            <a:normAutofit fontScale="92500"/>
+          </a:bodyPr>
+          <a:lstStyle>
+            <a:lvl1pPr marL="228600" indent="-228600" algn="l" defTabSz="914400" rtl="0" eaLnBrk="1" latinLnBrk="0" hangingPunct="1">
+              <a:lnSpc>
+                <a:spcPct val="120000"/>
+              </a:lnSpc>
+              <a:spcBef>
+                <a:spcPts val="1000"/>
+              </a:spcBef>
+              <a:buSzPct val="125000"/>
+              <a:buFont typeface="Arial" panose="020B0604020202020204" pitchFamily="34" charset="0"/>
+              <a:buChar char="•"/>
+              <a:defRPr sz="2400" kern="1200">
+                <a:solidFill>
+                  <a:schemeClr val="tx1"/>
+                </a:solidFill>
+                <a:latin typeface="+mn-lt"/>
+                <a:ea typeface="+mn-ea"/>
+                <a:cs typeface="+mn-cs"/>
+              </a:defRPr>
+            </a:lvl1pPr>
+            <a:lvl2pPr marL="685800" indent="-228600" algn="l" defTabSz="914400" rtl="0" eaLnBrk="1" latinLnBrk="0" hangingPunct="1">
+              <a:lnSpc>
+                <a:spcPct val="120000"/>
+              </a:lnSpc>
+              <a:spcBef>
+                <a:spcPts val="500"/>
+              </a:spcBef>
+              <a:buSzPct val="125000"/>
+              <a:buFont typeface="Arial" panose="020B0604020202020204" pitchFamily="34" charset="0"/>
+              <a:buChar char="•"/>
+              <a:defRPr sz="2000" kern="1200">
+                <a:solidFill>
+                  <a:schemeClr val="tx1"/>
+                </a:solidFill>
+                <a:latin typeface="+mn-lt"/>
+                <a:ea typeface="+mn-ea"/>
+                <a:cs typeface="+mn-cs"/>
+              </a:defRPr>
+            </a:lvl2pPr>
+            <a:lvl3pPr marL="1143000" indent="-228600" algn="l" defTabSz="914400" rtl="0" eaLnBrk="1" latinLnBrk="0" hangingPunct="1">
+              <a:lnSpc>
+                <a:spcPct val="120000"/>
+              </a:lnSpc>
+              <a:spcBef>
+                <a:spcPts val="500"/>
+              </a:spcBef>
+              <a:buSzPct val="125000"/>
+              <a:buFont typeface="Arial" panose="020B0604020202020204" pitchFamily="34" charset="0"/>
+              <a:buChar char="•"/>
+              <a:defRPr sz="1800" kern="1200">
+                <a:solidFill>
+                  <a:schemeClr val="tx1"/>
+                </a:solidFill>
+                <a:latin typeface="+mn-lt"/>
+                <a:ea typeface="+mn-ea"/>
+                <a:cs typeface="+mn-cs"/>
+              </a:defRPr>
+            </a:lvl3pPr>
+            <a:lvl4pPr marL="1600200" indent="-228600" algn="l" defTabSz="914400" rtl="0" eaLnBrk="1" latinLnBrk="0" hangingPunct="1">
+              <a:lnSpc>
+                <a:spcPct val="120000"/>
+              </a:lnSpc>
+              <a:spcBef>
+                <a:spcPts val="500"/>
+              </a:spcBef>
+              <a:buSzPct val="125000"/>
+              <a:buFont typeface="Arial" panose="020B0604020202020204" pitchFamily="34" charset="0"/>
+              <a:buChar char="•"/>
+              <a:defRPr sz="1600" kern="1200">
+                <a:solidFill>
+                  <a:schemeClr val="tx1"/>
+                </a:solidFill>
+                <a:latin typeface="+mn-lt"/>
+                <a:ea typeface="+mn-ea"/>
+                <a:cs typeface="+mn-cs"/>
+              </a:defRPr>
+            </a:lvl4pPr>
+            <a:lvl5pPr marL="2057400" indent="-228600" algn="l" defTabSz="914400" rtl="0" eaLnBrk="1" latinLnBrk="0" hangingPunct="1">
+              <a:lnSpc>
+                <a:spcPct val="120000"/>
+              </a:lnSpc>
+              <a:spcBef>
+                <a:spcPts val="500"/>
+              </a:spcBef>
+              <a:buSzPct val="125000"/>
+              <a:buFont typeface="Arial" panose="020B0604020202020204" pitchFamily="34" charset="0"/>
+              <a:buChar char="•"/>
+              <a:defRPr sz="1600" kern="1200">
+                <a:solidFill>
+                  <a:schemeClr val="tx1"/>
+                </a:solidFill>
+                <a:latin typeface="+mn-lt"/>
+                <a:ea typeface="+mn-ea"/>
+                <a:cs typeface="+mn-cs"/>
+              </a:defRPr>
+            </a:lvl5pPr>
+            <a:lvl6pPr marL="2514600" indent="-228600" algn="l" defTabSz="914400" rtl="0" eaLnBrk="1" latinLnBrk="0" hangingPunct="1">
+              <a:lnSpc>
+                <a:spcPct val="120000"/>
+              </a:lnSpc>
+              <a:spcBef>
+                <a:spcPts val="500"/>
+              </a:spcBef>
+              <a:buSzPct val="125000"/>
+              <a:buFont typeface="Arial" panose="020B0604020202020204" pitchFamily="34" charset="0"/>
+              <a:buChar char="•"/>
+              <a:defRPr sz="1400" kern="1200">
+                <a:solidFill>
+                  <a:schemeClr val="tx1"/>
+                </a:solidFill>
+                <a:latin typeface="+mn-lt"/>
+                <a:ea typeface="+mn-ea"/>
+                <a:cs typeface="+mn-cs"/>
+              </a:defRPr>
+            </a:lvl6pPr>
+            <a:lvl7pPr marL="2971800" indent="-228600" algn="l" defTabSz="914400" rtl="0" eaLnBrk="1" latinLnBrk="0" hangingPunct="1">
+              <a:lnSpc>
+                <a:spcPct val="120000"/>
+              </a:lnSpc>
+              <a:spcBef>
+                <a:spcPts val="500"/>
+              </a:spcBef>
+              <a:buSzPct val="125000"/>
+              <a:buFont typeface="Arial" panose="020B0604020202020204" pitchFamily="34" charset="0"/>
+              <a:buChar char="•"/>
+              <a:defRPr sz="1400" kern="1200">
+                <a:solidFill>
+                  <a:schemeClr val="tx1"/>
+                </a:solidFill>
+                <a:latin typeface="+mn-lt"/>
+                <a:ea typeface="+mn-ea"/>
+                <a:cs typeface="+mn-cs"/>
+              </a:defRPr>
+            </a:lvl7pPr>
+            <a:lvl8pPr marL="3429000" indent="-228600" algn="l" defTabSz="914400" rtl="0" eaLnBrk="1" latinLnBrk="0" hangingPunct="1">
+              <a:lnSpc>
+                <a:spcPct val="120000"/>
+              </a:lnSpc>
+              <a:spcBef>
+                <a:spcPts val="500"/>
+              </a:spcBef>
+              <a:buSzPct val="125000"/>
+              <a:buFont typeface="Arial" panose="020B0604020202020204" pitchFamily="34" charset="0"/>
+              <a:buChar char="•"/>
+              <a:defRPr sz="1400" kern="1200">
+                <a:solidFill>
+                  <a:schemeClr val="tx1"/>
+                </a:solidFill>
+                <a:latin typeface="+mn-lt"/>
+                <a:ea typeface="+mn-ea"/>
+                <a:cs typeface="+mn-cs"/>
+              </a:defRPr>
+            </a:lvl8pPr>
+            <a:lvl9pPr marL="3886200" indent="-228600" algn="l" defTabSz="914400" rtl="0" eaLnBrk="1" latinLnBrk="0" hangingPunct="1">
+              <a:lnSpc>
+                <a:spcPct val="120000"/>
+              </a:lnSpc>
+              <a:spcBef>
+                <a:spcPts val="500"/>
+              </a:spcBef>
+              <a:buSzPct val="125000"/>
+              <a:buFont typeface="Arial" panose="020B0604020202020204" pitchFamily="34" charset="0"/>
+              <a:buChar char="•"/>
+              <a:defRPr sz="1400" kern="1200">
+                <a:solidFill>
+                  <a:schemeClr val="tx1"/>
+                </a:solidFill>
+                <a:latin typeface="+mn-lt"/>
+                <a:ea typeface="+mn-ea"/>
+                <a:cs typeface="+mn-cs"/>
+              </a:defRPr>
+            </a:lvl9pPr>
+          </a:lstStyle>
+          <a:p>
+            <a:pPr marL="0" indent="0">
+              <a:buFont typeface="Arial" panose="020B0604020202020204" pitchFamily="34" charset="0"/>
+              <a:buNone/>
+            </a:pPr>
+            <a:r>
+              <a:rPr lang="en-US" dirty="0">
+                <a:solidFill>
+                  <a:schemeClr val="tx1">
+                    <a:lumMod val="95000"/>
+                  </a:schemeClr>
+                </a:solidFill>
+              </a:rPr>
+              <a:t>Does a TM recognize a regular language, and thus can be converted to a DFA?</a:t>
+            </a:r>
+          </a:p>
+          <a:p>
+            <a:pPr marL="0" indent="0">
+              <a:buFont typeface="Arial" panose="020B0604020202020204" pitchFamily="34" charset="0"/>
+              <a:buNone/>
+            </a:pPr>
+            <a:r>
+              <a:rPr lang="en-US" dirty="0">
+                <a:solidFill>
+                  <a:schemeClr val="tx1">
+                    <a:lumMod val="95000"/>
+                  </a:schemeClr>
+                </a:solidFill>
+              </a:rPr>
+              <a:t>Does a TM recognize a CFG, and thus can be converted to a pushdown automata?</a:t>
+            </a:r>
+          </a:p>
+          <a:p>
+            <a:pPr marL="0" indent="0">
+              <a:buFont typeface="Arial" panose="020B0604020202020204" pitchFamily="34" charset="0"/>
+              <a:buNone/>
+            </a:pPr>
+            <a:r>
+              <a:rPr lang="en-US" dirty="0">
+                <a:solidFill>
+                  <a:schemeClr val="tx1">
+                    <a:lumMod val="95000"/>
+                  </a:schemeClr>
+                </a:solidFill>
+              </a:rPr>
+              <a:t>Are the languages of two TMs A and B equivalent to each other?</a:t>
+            </a:r>
+          </a:p>
+        </p:txBody>
+      </p:sp>
+    </p:spTree>
+    <p:extLst>
+      <p:ext uri="{BB962C8B-B14F-4D97-AF65-F5344CB8AC3E}">
+        <p14:creationId xmlns:p14="http://schemas.microsoft.com/office/powerpoint/2010/main" val="4131628257"/>
+      </p:ext>
+    </p:extLst>
+  </p:cSld>
+  <p:clrMapOvr>
+    <a:masterClrMapping/>
+  </p:clrMapOvr>
+</p:sld>
+</file>
+
+<file path=ppt/slides/slide22.xml><?xml version="1.0" encoding="utf-8"?>
+<p:sld xmlns:a="http://schemas.openxmlformats.org/drawingml/2006/main" xmlns:r="http://schemas.openxmlformats.org/officeDocument/2006/relationships" xmlns:p="http://schemas.openxmlformats.org/presentationml/2006/main">
+  <p:cSld>
+    <p:spTree>
+      <p:nvGrpSpPr>
+        <p:cNvPr id="1" name=""/>
+        <p:cNvGrpSpPr/>
+        <p:nvPr/>
+      </p:nvGrpSpPr>
+      <p:grpSpPr>
+        <a:xfrm>
+          <a:off x="0" y="0"/>
+          <a:ext cx="0" cy="0"/>
+          <a:chOff x="0" y="0"/>
+          <a:chExt cx="0" cy="0"/>
+        </a:xfrm>
+      </p:grpSpPr>
+      <p:sp>
+        <p:nvSpPr>
+          <p:cNvPr id="2" name="Title 1">
+            <a:extLst>
+              <a:ext uri="{FF2B5EF4-FFF2-40B4-BE49-F238E27FC236}">
+                <a16:creationId xmlns:a16="http://schemas.microsoft.com/office/drawing/2014/main" id="{D63C04CD-2329-4D47-84D9-12CB3EDD9F46}"/>
+              </a:ext>
+            </a:extLst>
+          </p:cNvPr>
+          <p:cNvSpPr>
+            <a:spLocks noGrp="1"/>
+          </p:cNvSpPr>
+          <p:nvPr>
+            <p:ph type="title"/>
+          </p:nvPr>
+        </p:nvSpPr>
+        <p:spPr>
+          <a:xfrm>
+            <a:off x="1141413" y="125537"/>
+            <a:ext cx="9905998" cy="860425"/>
+          </a:xfrm>
+        </p:spPr>
+        <p:txBody>
+          <a:bodyPr/>
+          <a:lstStyle/>
+          <a:p>
+            <a:pPr algn="ctr"/>
+            <a:r>
+              <a:rPr lang="en-US" dirty="0"/>
+              <a:t>Rice’s Theorem</a:t>
+            </a:r>
+          </a:p>
+        </p:txBody>
+      </p:sp>
+      <p:sp>
+        <p:nvSpPr>
+          <p:cNvPr id="3" name="Content Placeholder 2">
+            <a:extLst>
+              <a:ext uri="{FF2B5EF4-FFF2-40B4-BE49-F238E27FC236}">
+                <a16:creationId xmlns:a16="http://schemas.microsoft.com/office/drawing/2014/main" id="{14278F5F-F936-6145-9FF8-704886F1A386}"/>
+              </a:ext>
+            </a:extLst>
+          </p:cNvPr>
+          <p:cNvSpPr>
+            <a:spLocks noGrp="1"/>
+          </p:cNvSpPr>
+          <p:nvPr>
+            <p:ph idx="1"/>
+          </p:nvPr>
+        </p:nvSpPr>
+        <p:spPr>
+          <a:xfrm>
+            <a:off x="1141412" y="1559371"/>
+            <a:ext cx="9905999" cy="1089328"/>
+          </a:xfrm>
+          <a:solidFill>
+            <a:schemeClr val="tx1">
+              <a:lumMod val="95000"/>
+            </a:schemeClr>
+          </a:solidFill>
+        </p:spPr>
+        <p:txBody>
+          <a:bodyPr/>
+          <a:lstStyle/>
+          <a:p>
+            <a:pPr marL="0" indent="0">
+              <a:buNone/>
+            </a:pPr>
+            <a:r>
+              <a:rPr lang="en-US" b="1" i="1" u="sng" dirty="0">
+                <a:solidFill>
+                  <a:schemeClr val="bg1"/>
+                </a:solidFill>
+              </a:rPr>
+              <a:t>Rice’s Theorem</a:t>
+            </a:r>
+            <a:r>
+              <a:rPr lang="en-US" dirty="0">
+                <a:solidFill>
+                  <a:schemeClr val="bg1"/>
+                </a:solidFill>
+              </a:rPr>
+              <a:t>: Any non-trivial property P of a program (e.g., halting) is undecidable</a:t>
+            </a:r>
+          </a:p>
+        </p:txBody>
+      </p:sp>
+      <p:sp>
+        <p:nvSpPr>
+          <p:cNvPr id="6" name="Content Placeholder 2">
+            <a:extLst>
+              <a:ext uri="{FF2B5EF4-FFF2-40B4-BE49-F238E27FC236}">
+                <a16:creationId xmlns:a16="http://schemas.microsoft.com/office/drawing/2014/main" id="{D1AB4AE0-9143-C34D-B965-4033C921D6B5}"/>
+              </a:ext>
+            </a:extLst>
+          </p:cNvPr>
+          <p:cNvSpPr txBox="1">
+            <a:spLocks/>
+          </p:cNvSpPr>
+          <p:nvPr/>
+        </p:nvSpPr>
+        <p:spPr>
+          <a:xfrm>
+            <a:off x="1141412" y="2888721"/>
+            <a:ext cx="9905999" cy="1916192"/>
+          </a:xfrm>
+          <a:prstGeom prst="rect">
+            <a:avLst/>
+          </a:prstGeom>
+          <a:noFill/>
+        </p:spPr>
+        <p:txBody>
+          <a:bodyPr vert="horz" lIns="91440" tIns="45720" rIns="91440" bIns="45720" rtlCol="0">
+            <a:normAutofit/>
+          </a:bodyPr>
+          <a:lstStyle>
+            <a:lvl1pPr marL="228600" indent="-228600" algn="l" defTabSz="914400" rtl="0" eaLnBrk="1" latinLnBrk="0" hangingPunct="1">
+              <a:lnSpc>
+                <a:spcPct val="120000"/>
+              </a:lnSpc>
+              <a:spcBef>
+                <a:spcPts val="1000"/>
+              </a:spcBef>
+              <a:buSzPct val="125000"/>
+              <a:buFont typeface="Arial" panose="020B0604020202020204" pitchFamily="34" charset="0"/>
+              <a:buChar char="•"/>
+              <a:defRPr sz="2400" kern="1200">
+                <a:solidFill>
+                  <a:schemeClr val="tx1"/>
+                </a:solidFill>
+                <a:latin typeface="+mn-lt"/>
+                <a:ea typeface="+mn-ea"/>
+                <a:cs typeface="+mn-cs"/>
+              </a:defRPr>
+            </a:lvl1pPr>
+            <a:lvl2pPr marL="685800" indent="-228600" algn="l" defTabSz="914400" rtl="0" eaLnBrk="1" latinLnBrk="0" hangingPunct="1">
+              <a:lnSpc>
+                <a:spcPct val="120000"/>
+              </a:lnSpc>
+              <a:spcBef>
+                <a:spcPts val="500"/>
+              </a:spcBef>
+              <a:buSzPct val="125000"/>
+              <a:buFont typeface="Arial" panose="020B0604020202020204" pitchFamily="34" charset="0"/>
+              <a:buChar char="•"/>
+              <a:defRPr sz="2000" kern="1200">
+                <a:solidFill>
+                  <a:schemeClr val="tx1"/>
+                </a:solidFill>
+                <a:latin typeface="+mn-lt"/>
+                <a:ea typeface="+mn-ea"/>
+                <a:cs typeface="+mn-cs"/>
+              </a:defRPr>
+            </a:lvl2pPr>
+            <a:lvl3pPr marL="1143000" indent="-228600" algn="l" defTabSz="914400" rtl="0" eaLnBrk="1" latinLnBrk="0" hangingPunct="1">
+              <a:lnSpc>
+                <a:spcPct val="120000"/>
+              </a:lnSpc>
+              <a:spcBef>
+                <a:spcPts val="500"/>
+              </a:spcBef>
+              <a:buSzPct val="125000"/>
+              <a:buFont typeface="Arial" panose="020B0604020202020204" pitchFamily="34" charset="0"/>
+              <a:buChar char="•"/>
+              <a:defRPr sz="1800" kern="1200">
+                <a:solidFill>
+                  <a:schemeClr val="tx1"/>
+                </a:solidFill>
+                <a:latin typeface="+mn-lt"/>
+                <a:ea typeface="+mn-ea"/>
+                <a:cs typeface="+mn-cs"/>
+              </a:defRPr>
+            </a:lvl3pPr>
+            <a:lvl4pPr marL="1600200" indent="-228600" algn="l" defTabSz="914400" rtl="0" eaLnBrk="1" latinLnBrk="0" hangingPunct="1">
+              <a:lnSpc>
+                <a:spcPct val="120000"/>
+              </a:lnSpc>
+              <a:spcBef>
+                <a:spcPts val="500"/>
+              </a:spcBef>
+              <a:buSzPct val="125000"/>
+              <a:buFont typeface="Arial" panose="020B0604020202020204" pitchFamily="34" charset="0"/>
+              <a:buChar char="•"/>
+              <a:defRPr sz="1600" kern="1200">
+                <a:solidFill>
+                  <a:schemeClr val="tx1"/>
+                </a:solidFill>
+                <a:latin typeface="+mn-lt"/>
+                <a:ea typeface="+mn-ea"/>
+                <a:cs typeface="+mn-cs"/>
+              </a:defRPr>
+            </a:lvl4pPr>
+            <a:lvl5pPr marL="2057400" indent="-228600" algn="l" defTabSz="914400" rtl="0" eaLnBrk="1" latinLnBrk="0" hangingPunct="1">
+              <a:lnSpc>
+                <a:spcPct val="120000"/>
+              </a:lnSpc>
+              <a:spcBef>
+                <a:spcPts val="500"/>
+              </a:spcBef>
+              <a:buSzPct val="125000"/>
+              <a:buFont typeface="Arial" panose="020B0604020202020204" pitchFamily="34" charset="0"/>
+              <a:buChar char="•"/>
+              <a:defRPr sz="1600" kern="1200">
+                <a:solidFill>
+                  <a:schemeClr val="tx1"/>
+                </a:solidFill>
+                <a:latin typeface="+mn-lt"/>
+                <a:ea typeface="+mn-ea"/>
+                <a:cs typeface="+mn-cs"/>
+              </a:defRPr>
+            </a:lvl5pPr>
+            <a:lvl6pPr marL="2514600" indent="-228600" algn="l" defTabSz="914400" rtl="0" eaLnBrk="1" latinLnBrk="0" hangingPunct="1">
+              <a:lnSpc>
+                <a:spcPct val="120000"/>
+              </a:lnSpc>
+              <a:spcBef>
+                <a:spcPts val="500"/>
+              </a:spcBef>
+              <a:buSzPct val="125000"/>
+              <a:buFont typeface="Arial" panose="020B0604020202020204" pitchFamily="34" charset="0"/>
+              <a:buChar char="•"/>
+              <a:defRPr sz="1400" kern="1200">
+                <a:solidFill>
+                  <a:schemeClr val="tx1"/>
+                </a:solidFill>
+                <a:latin typeface="+mn-lt"/>
+                <a:ea typeface="+mn-ea"/>
+                <a:cs typeface="+mn-cs"/>
+              </a:defRPr>
+            </a:lvl6pPr>
+            <a:lvl7pPr marL="2971800" indent="-228600" algn="l" defTabSz="914400" rtl="0" eaLnBrk="1" latinLnBrk="0" hangingPunct="1">
+              <a:lnSpc>
+                <a:spcPct val="120000"/>
+              </a:lnSpc>
+              <a:spcBef>
+                <a:spcPts val="500"/>
+              </a:spcBef>
+              <a:buSzPct val="125000"/>
+              <a:buFont typeface="Arial" panose="020B0604020202020204" pitchFamily="34" charset="0"/>
+              <a:buChar char="•"/>
+              <a:defRPr sz="1400" kern="1200">
+                <a:solidFill>
+                  <a:schemeClr val="tx1"/>
+                </a:solidFill>
+                <a:latin typeface="+mn-lt"/>
+                <a:ea typeface="+mn-ea"/>
+                <a:cs typeface="+mn-cs"/>
+              </a:defRPr>
+            </a:lvl7pPr>
+            <a:lvl8pPr marL="3429000" indent="-228600" algn="l" defTabSz="914400" rtl="0" eaLnBrk="1" latinLnBrk="0" hangingPunct="1">
+              <a:lnSpc>
+                <a:spcPct val="120000"/>
+              </a:lnSpc>
+              <a:spcBef>
+                <a:spcPts val="500"/>
+              </a:spcBef>
+              <a:buSzPct val="125000"/>
+              <a:buFont typeface="Arial" panose="020B0604020202020204" pitchFamily="34" charset="0"/>
+              <a:buChar char="•"/>
+              <a:defRPr sz="1400" kern="1200">
+                <a:solidFill>
+                  <a:schemeClr val="tx1"/>
+                </a:solidFill>
+                <a:latin typeface="+mn-lt"/>
+                <a:ea typeface="+mn-ea"/>
+                <a:cs typeface="+mn-cs"/>
+              </a:defRPr>
+            </a:lvl8pPr>
+            <a:lvl9pPr marL="3886200" indent="-228600" algn="l" defTabSz="914400" rtl="0" eaLnBrk="1" latinLnBrk="0" hangingPunct="1">
+              <a:lnSpc>
+                <a:spcPct val="120000"/>
+              </a:lnSpc>
+              <a:spcBef>
+                <a:spcPts val="500"/>
+              </a:spcBef>
+              <a:buSzPct val="125000"/>
+              <a:buFont typeface="Arial" panose="020B0604020202020204" pitchFamily="34" charset="0"/>
+              <a:buChar char="•"/>
+              <a:defRPr sz="1400" kern="1200">
+                <a:solidFill>
+                  <a:schemeClr val="tx1"/>
+                </a:solidFill>
+                <a:latin typeface="+mn-lt"/>
+                <a:ea typeface="+mn-ea"/>
+                <a:cs typeface="+mn-cs"/>
+              </a:defRPr>
+            </a:lvl9pPr>
+          </a:lstStyle>
+          <a:p>
+            <a:pPr marL="0" indent="0">
+              <a:buFont typeface="Arial" panose="020B0604020202020204" pitchFamily="34" charset="0"/>
+              <a:buNone/>
+            </a:pPr>
+            <a:r>
+              <a:rPr lang="en-US" dirty="0">
+                <a:solidFill>
+                  <a:schemeClr val="tx1">
+                    <a:lumMod val="95000"/>
+                  </a:schemeClr>
+                </a:solidFill>
+              </a:rPr>
+              <a:t>…</a:t>
+            </a:r>
+          </a:p>
+        </p:txBody>
+      </p:sp>
+    </p:spTree>
+    <p:extLst>
+      <p:ext uri="{BB962C8B-B14F-4D97-AF65-F5344CB8AC3E}">
+        <p14:creationId xmlns:p14="http://schemas.microsoft.com/office/powerpoint/2010/main" val="2868338322"/>
       </p:ext>
     </p:extLst>
   </p:cSld>
@@ -16648,8 +18775,8 @@
           </a:p>
         </p:txBody>
       </p:sp>
-      <mc:AlternateContent xmlns:mc="http://schemas.openxmlformats.org/markup-compatibility/2006">
-        <mc:Choice xmlns:a14="http://schemas.microsoft.com/office/drawing/2010/main" Requires="a14">
+      <mc:AlternateContent xmlns:mc="http://schemas.openxmlformats.org/markup-compatibility/2006" xmlns:a14="http://schemas.microsoft.com/office/drawing/2010/main">
+        <mc:Choice Requires="a14">
           <p:sp>
             <p:nvSpPr>
               <p:cNvPr id="3" name="Content Placeholder 2">
@@ -16993,7 +19120,7 @@
             </p:txBody>
           </p:sp>
         </mc:Choice>
-        <mc:Fallback>
+        <mc:Fallback xmlns="">
           <p:sp>
             <p:nvSpPr>
               <p:cNvPr id="3" name="Content Placeholder 2">
@@ -17320,8 +19447,8 @@
           </a:p>
         </p:txBody>
       </p:sp>
-      <mc:AlternateContent xmlns:mc="http://schemas.openxmlformats.org/markup-compatibility/2006">
-        <mc:Choice xmlns:a14="http://schemas.microsoft.com/office/drawing/2010/main" Requires="a14">
+      <mc:AlternateContent xmlns:mc="http://schemas.openxmlformats.org/markup-compatibility/2006" xmlns:a14="http://schemas.microsoft.com/office/drawing/2010/main">
+        <mc:Choice Requires="a14">
           <p:sp>
             <p:nvSpPr>
               <p:cNvPr id="3" name="Content Placeholder 2">
@@ -17665,7 +19792,7 @@
             </p:txBody>
           </p:sp>
         </mc:Choice>
-        <mc:Fallback>
+        <mc:Fallback xmlns="">
           <p:sp>
             <p:nvSpPr>
               <p:cNvPr id="3" name="Content Placeholder 2">
